--- a/figures/figures.pptx
+++ b/figures/figures.pptx
@@ -213,7 +213,7 @@
           <a:p>
             <a:fld id="{A84C03E3-B0BF-5C40-B9EC-4B39A4AA5E1B}" type="datetimeFigureOut">
               <a:rPr lang="en-US" smtClean="0"/>
-              <a:t>8/31/20</a:t>
+              <a:t>10/1/20</a:t>
             </a:fld>
             <a:endParaRPr lang="en-US"/>
           </a:p>
@@ -1067,7 +1067,7 @@
           <a:p>
             <a:fld id="{828A800D-FD12-1143-85AB-6998B637A4E2}" type="datetimeFigureOut">
               <a:rPr lang="en-US" smtClean="0"/>
-              <a:t>8/31/20</a:t>
+              <a:t>10/1/20</a:t>
             </a:fld>
             <a:endParaRPr lang="en-US"/>
           </a:p>
@@ -1265,7 +1265,7 @@
           <a:p>
             <a:fld id="{828A800D-FD12-1143-85AB-6998B637A4E2}" type="datetimeFigureOut">
               <a:rPr lang="en-US" smtClean="0"/>
-              <a:t>8/31/20</a:t>
+              <a:t>10/1/20</a:t>
             </a:fld>
             <a:endParaRPr lang="en-US"/>
           </a:p>
@@ -1473,7 +1473,7 @@
           <a:p>
             <a:fld id="{828A800D-FD12-1143-85AB-6998B637A4E2}" type="datetimeFigureOut">
               <a:rPr lang="en-US" smtClean="0"/>
-              <a:t>8/31/20</a:t>
+              <a:t>10/1/20</a:t>
             </a:fld>
             <a:endParaRPr lang="en-US"/>
           </a:p>
@@ -1961,7 +1961,7 @@
           <a:p>
             <a:fld id="{828A800D-FD12-1143-85AB-6998B637A4E2}" type="datetimeFigureOut">
               <a:rPr lang="en-US" smtClean="0"/>
-              <a:t>8/31/20</a:t>
+              <a:t>10/1/20</a:t>
             </a:fld>
             <a:endParaRPr lang="en-US"/>
           </a:p>
@@ -2236,7 +2236,7 @@
           <a:p>
             <a:fld id="{828A800D-FD12-1143-85AB-6998B637A4E2}" type="datetimeFigureOut">
               <a:rPr lang="en-US" smtClean="0"/>
-              <a:t>8/31/20</a:t>
+              <a:t>10/1/20</a:t>
             </a:fld>
             <a:endParaRPr lang="en-US"/>
           </a:p>
@@ -2501,7 +2501,7 @@
           <a:p>
             <a:fld id="{828A800D-FD12-1143-85AB-6998B637A4E2}" type="datetimeFigureOut">
               <a:rPr lang="en-US" smtClean="0"/>
-              <a:t>8/31/20</a:t>
+              <a:t>10/1/20</a:t>
             </a:fld>
             <a:endParaRPr lang="en-US"/>
           </a:p>
@@ -2913,7 +2913,7 @@
           <a:p>
             <a:fld id="{828A800D-FD12-1143-85AB-6998B637A4E2}" type="datetimeFigureOut">
               <a:rPr lang="en-US" smtClean="0"/>
-              <a:t>8/31/20</a:t>
+              <a:t>10/1/20</a:t>
             </a:fld>
             <a:endParaRPr lang="en-US"/>
           </a:p>
@@ -3054,7 +3054,7 @@
           <a:p>
             <a:fld id="{828A800D-FD12-1143-85AB-6998B637A4E2}" type="datetimeFigureOut">
               <a:rPr lang="en-US" smtClean="0"/>
-              <a:t>8/31/20</a:t>
+              <a:t>10/1/20</a:t>
             </a:fld>
             <a:endParaRPr lang="en-US"/>
           </a:p>
@@ -3167,7 +3167,7 @@
           <a:p>
             <a:fld id="{828A800D-FD12-1143-85AB-6998B637A4E2}" type="datetimeFigureOut">
               <a:rPr lang="en-US" smtClean="0"/>
-              <a:t>8/31/20</a:t>
+              <a:t>10/1/20</a:t>
             </a:fld>
             <a:endParaRPr lang="en-US"/>
           </a:p>
@@ -3478,7 +3478,7 @@
           <a:p>
             <a:fld id="{828A800D-FD12-1143-85AB-6998B637A4E2}" type="datetimeFigureOut">
               <a:rPr lang="en-US" smtClean="0"/>
-              <a:t>8/31/20</a:t>
+              <a:t>10/1/20</a:t>
             </a:fld>
             <a:endParaRPr lang="en-US"/>
           </a:p>
@@ -3766,7 +3766,7 @@
           <a:p>
             <a:fld id="{828A800D-FD12-1143-85AB-6998B637A4E2}" type="datetimeFigureOut">
               <a:rPr lang="en-US" smtClean="0"/>
-              <a:t>8/31/20</a:t>
+              <a:t>10/1/20</a:t>
             </a:fld>
             <a:endParaRPr lang="en-US"/>
           </a:p>
@@ -4007,7 +4007,7 @@
           <a:p>
             <a:fld id="{828A800D-FD12-1143-85AB-6998B637A4E2}" type="datetimeFigureOut">
               <a:rPr lang="en-US" smtClean="0"/>
-              <a:t>8/31/20</a:t>
+              <a:t>10/1/20</a:t>
             </a:fld>
             <a:endParaRPr lang="en-US"/>
           </a:p>
@@ -4571,522 +4571,6 @@
           </a:p>
         </p:txBody>
       </p:sp>
-      <p:grpSp>
-        <p:nvGrpSpPr>
-          <p:cNvPr id="148" name="Group 147">
-            <a:extLst>
-              <a:ext uri="{FF2B5EF4-FFF2-40B4-BE49-F238E27FC236}">
-                <a16:creationId xmlns:a16="http://schemas.microsoft.com/office/drawing/2014/main" id="{B048B741-EF8B-C64E-A6E1-E71BFC6DDD18}"/>
-              </a:ext>
-            </a:extLst>
-          </p:cNvPr>
-          <p:cNvGrpSpPr/>
-          <p:nvPr/>
-        </p:nvGrpSpPr>
-        <p:grpSpPr>
-          <a:xfrm>
-            <a:off x="7519705" y="1691407"/>
-            <a:ext cx="2286812" cy="2022235"/>
-            <a:chOff x="7059767" y="2121578"/>
-            <a:chExt cx="2286812" cy="2022235"/>
-          </a:xfrm>
-        </p:grpSpPr>
-        <p:pic>
-          <p:nvPicPr>
-            <p:cNvPr id="10" name="Picture 9">
-              <a:extLst>
-                <a:ext uri="{FF2B5EF4-FFF2-40B4-BE49-F238E27FC236}">
-                  <a16:creationId xmlns:a16="http://schemas.microsoft.com/office/drawing/2014/main" id="{C695C640-0F0C-A143-8DFA-FD38A6FBD59E}"/>
-                </a:ext>
-              </a:extLst>
-            </p:cNvPr>
-            <p:cNvPicPr>
-              <a:picLocks noChangeAspect="1"/>
-            </p:cNvPicPr>
-            <p:nvPr/>
-          </p:nvPicPr>
-          <p:blipFill>
-            <a:blip r:embed="rId4"/>
-            <a:stretch>
-              <a:fillRect/>
-            </a:stretch>
-          </p:blipFill>
-          <p:spPr>
-            <a:xfrm>
-              <a:off x="7452490" y="2498123"/>
-              <a:ext cx="1596142" cy="1357199"/>
-            </a:xfrm>
-            <a:prstGeom prst="rect">
-              <a:avLst/>
-            </a:prstGeom>
-          </p:spPr>
-        </p:pic>
-        <p:sp>
-          <p:nvSpPr>
-            <p:cNvPr id="18" name="TextBox 17">
-              <a:extLst>
-                <a:ext uri="{FF2B5EF4-FFF2-40B4-BE49-F238E27FC236}">
-                  <a16:creationId xmlns:a16="http://schemas.microsoft.com/office/drawing/2014/main" id="{1FF70009-78E6-8B43-9255-B7A108BCD63C}"/>
-                </a:ext>
-              </a:extLst>
-            </p:cNvPr>
-            <p:cNvSpPr txBox="1"/>
-            <p:nvPr/>
-          </p:nvSpPr>
-          <p:spPr>
-            <a:xfrm>
-              <a:off x="7963328" y="2972413"/>
-              <a:ext cx="999502" cy="369332"/>
-            </a:xfrm>
-            <a:prstGeom prst="rect">
-              <a:avLst/>
-            </a:prstGeom>
-            <a:noFill/>
-          </p:spPr>
-          <p:txBody>
-            <a:bodyPr wrap="square" rtlCol="0">
-              <a:spAutoFit/>
-            </a:bodyPr>
-            <a:lstStyle/>
-            <a:p>
-              <a:r>
-                <a:rPr lang="en-US" dirty="0">
-                  <a:solidFill>
-                    <a:schemeClr val="tx1">
-                      <a:lumMod val="65000"/>
-                      <a:lumOff val="35000"/>
-                    </a:schemeClr>
-                  </a:solidFill>
-                  <a:latin typeface="Barlow Semi Condensed Medium" pitchFamily="2" charset="77"/>
-                </a:rPr>
-                <a:t>1067</a:t>
-              </a:r>
-            </a:p>
-          </p:txBody>
-        </p:sp>
-        <p:sp>
-          <p:nvSpPr>
-            <p:cNvPr id="21" name="TextBox 20">
-              <a:extLst>
-                <a:ext uri="{FF2B5EF4-FFF2-40B4-BE49-F238E27FC236}">
-                  <a16:creationId xmlns:a16="http://schemas.microsoft.com/office/drawing/2014/main" id="{AC0DB151-84F2-0949-998A-4129683D99C9}"/>
-                </a:ext>
-              </a:extLst>
-            </p:cNvPr>
-            <p:cNvSpPr txBox="1"/>
-            <p:nvPr/>
-          </p:nvSpPr>
-          <p:spPr>
-            <a:xfrm>
-              <a:off x="8786876" y="2634979"/>
-              <a:ext cx="559703" cy="369332"/>
-            </a:xfrm>
-            <a:prstGeom prst="rect">
-              <a:avLst/>
-            </a:prstGeom>
-            <a:noFill/>
-          </p:spPr>
-          <p:txBody>
-            <a:bodyPr wrap="square" rtlCol="0">
-              <a:spAutoFit/>
-            </a:bodyPr>
-            <a:lstStyle/>
-            <a:p>
-              <a:r>
-                <a:rPr lang="en-US" dirty="0">
-                  <a:solidFill>
-                    <a:schemeClr val="accent1"/>
-                  </a:solidFill>
-                  <a:latin typeface="Barlow Semi Condensed Medium" pitchFamily="2" charset="77"/>
-                </a:rPr>
-                <a:t>BCC</a:t>
-              </a:r>
-            </a:p>
-          </p:txBody>
-        </p:sp>
-        <p:sp>
-          <p:nvSpPr>
-            <p:cNvPr id="22" name="TextBox 21">
-              <a:extLst>
-                <a:ext uri="{FF2B5EF4-FFF2-40B4-BE49-F238E27FC236}">
-                  <a16:creationId xmlns:a16="http://schemas.microsoft.com/office/drawing/2014/main" id="{64AF8D1B-D883-5E40-98AA-073D0568BB62}"/>
-                </a:ext>
-              </a:extLst>
-            </p:cNvPr>
-            <p:cNvSpPr txBox="1"/>
-            <p:nvPr/>
-          </p:nvSpPr>
-          <p:spPr>
-            <a:xfrm>
-              <a:off x="8179967" y="3774481"/>
-              <a:ext cx="581902" cy="369332"/>
-            </a:xfrm>
-            <a:prstGeom prst="rect">
-              <a:avLst/>
-            </a:prstGeom>
-            <a:noFill/>
-          </p:spPr>
-          <p:txBody>
-            <a:bodyPr wrap="square" rtlCol="0">
-              <a:spAutoFit/>
-            </a:bodyPr>
-            <a:lstStyle/>
-            <a:p>
-              <a:r>
-                <a:rPr lang="en-US" dirty="0">
-                  <a:solidFill>
-                    <a:schemeClr val="accent2"/>
-                  </a:solidFill>
-                  <a:latin typeface="Barlow Semi Condensed Medium" pitchFamily="2" charset="77"/>
-                </a:rPr>
-                <a:t>FCC</a:t>
-              </a:r>
-            </a:p>
-          </p:txBody>
-        </p:sp>
-        <p:sp>
-          <p:nvSpPr>
-            <p:cNvPr id="23" name="TextBox 22">
-              <a:extLst>
-                <a:ext uri="{FF2B5EF4-FFF2-40B4-BE49-F238E27FC236}">
-                  <a16:creationId xmlns:a16="http://schemas.microsoft.com/office/drawing/2014/main" id="{A0AA2890-9B9E-CD45-B204-A167BD91BE73}"/>
-                </a:ext>
-              </a:extLst>
-            </p:cNvPr>
-            <p:cNvSpPr txBox="1"/>
-            <p:nvPr/>
-          </p:nvSpPr>
-          <p:spPr>
-            <a:xfrm>
-              <a:off x="7059767" y="2687416"/>
-              <a:ext cx="785446" cy="369332"/>
-            </a:xfrm>
-            <a:prstGeom prst="rect">
-              <a:avLst/>
-            </a:prstGeom>
-            <a:noFill/>
-          </p:spPr>
-          <p:txBody>
-            <a:bodyPr wrap="square" rtlCol="0">
-              <a:spAutoFit/>
-            </a:bodyPr>
-            <a:lstStyle/>
-            <a:p>
-              <a:r>
-                <a:rPr lang="en-US" dirty="0">
-                  <a:solidFill>
-                    <a:schemeClr val="tx1">
-                      <a:lumMod val="50000"/>
-                      <a:lumOff val="50000"/>
-                    </a:schemeClr>
-                  </a:solidFill>
-                  <a:latin typeface="Barlow Semi Condensed Medium" pitchFamily="2" charset="77"/>
-                </a:rPr>
-                <a:t>other</a:t>
-              </a:r>
-            </a:p>
-          </p:txBody>
-        </p:sp>
-        <p:sp>
-          <p:nvSpPr>
-            <p:cNvPr id="24" name="TextBox 23">
-              <a:extLst>
-                <a:ext uri="{FF2B5EF4-FFF2-40B4-BE49-F238E27FC236}">
-                  <a16:creationId xmlns:a16="http://schemas.microsoft.com/office/drawing/2014/main" id="{1C222210-4DFD-9E43-9A5E-D221A40C519D}"/>
-                </a:ext>
-              </a:extLst>
-            </p:cNvPr>
-            <p:cNvSpPr txBox="1"/>
-            <p:nvPr/>
-          </p:nvSpPr>
-          <p:spPr>
-            <a:xfrm>
-              <a:off x="7440575" y="2121578"/>
-              <a:ext cx="1887415" cy="369332"/>
-            </a:xfrm>
-            <a:prstGeom prst="rect">
-              <a:avLst/>
-            </a:prstGeom>
-            <a:noFill/>
-          </p:spPr>
-          <p:txBody>
-            <a:bodyPr wrap="square" rtlCol="0">
-              <a:spAutoFit/>
-            </a:bodyPr>
-            <a:lstStyle/>
-            <a:p>
-              <a:r>
-                <a:rPr lang="en-US" b="1" i="1" dirty="0">
-                  <a:latin typeface="Barlow Semi Condensed Medium" pitchFamily="2" charset="77"/>
-                </a:rPr>
-                <a:t>Yield strength</a:t>
-              </a:r>
-            </a:p>
-          </p:txBody>
-        </p:sp>
-      </p:grpSp>
-      <p:grpSp>
-        <p:nvGrpSpPr>
-          <p:cNvPr id="150" name="Group 149">
-            <a:extLst>
-              <a:ext uri="{FF2B5EF4-FFF2-40B4-BE49-F238E27FC236}">
-                <a16:creationId xmlns:a16="http://schemas.microsoft.com/office/drawing/2014/main" id="{24F32FE4-310D-C748-BD7E-7A65CE902E01}"/>
-              </a:ext>
-            </a:extLst>
-          </p:cNvPr>
-          <p:cNvGrpSpPr/>
-          <p:nvPr/>
-        </p:nvGrpSpPr>
-        <p:grpSpPr>
-          <a:xfrm>
-            <a:off x="9846043" y="1672478"/>
-            <a:ext cx="1887415" cy="1500404"/>
-            <a:chOff x="9619505" y="2238977"/>
-            <a:chExt cx="1887415" cy="1500404"/>
-          </a:xfrm>
-        </p:grpSpPr>
-        <p:pic>
-          <p:nvPicPr>
-            <p:cNvPr id="14" name="Picture 13">
-              <a:extLst>
-                <a:ext uri="{FF2B5EF4-FFF2-40B4-BE49-F238E27FC236}">
-                  <a16:creationId xmlns:a16="http://schemas.microsoft.com/office/drawing/2014/main" id="{F46A7CB0-DD2E-DA4A-B87F-7F949BCA1A4A}"/>
-                </a:ext>
-              </a:extLst>
-            </p:cNvPr>
-            <p:cNvPicPr>
-              <a:picLocks noChangeAspect="1"/>
-            </p:cNvPicPr>
-            <p:nvPr/>
-          </p:nvPicPr>
-          <p:blipFill>
-            <a:blip r:embed="rId5"/>
-            <a:stretch>
-              <a:fillRect/>
-            </a:stretch>
-          </p:blipFill>
-          <p:spPr>
-            <a:xfrm>
-              <a:off x="9655543" y="2601095"/>
-              <a:ext cx="1147213" cy="1138286"/>
-            </a:xfrm>
-            <a:prstGeom prst="rect">
-              <a:avLst/>
-            </a:prstGeom>
-          </p:spPr>
-        </p:pic>
-        <p:sp>
-          <p:nvSpPr>
-            <p:cNvPr id="20" name="TextBox 19">
-              <a:extLst>
-                <a:ext uri="{FF2B5EF4-FFF2-40B4-BE49-F238E27FC236}">
-                  <a16:creationId xmlns:a16="http://schemas.microsoft.com/office/drawing/2014/main" id="{0FEB3AFD-B1BD-1744-9324-7E9C7E112750}"/>
-                </a:ext>
-              </a:extLst>
-            </p:cNvPr>
-            <p:cNvSpPr txBox="1"/>
-            <p:nvPr/>
-          </p:nvSpPr>
-          <p:spPr>
-            <a:xfrm>
-              <a:off x="9962398" y="2948197"/>
-              <a:ext cx="999502" cy="369332"/>
-            </a:xfrm>
-            <a:prstGeom prst="rect">
-              <a:avLst/>
-            </a:prstGeom>
-            <a:noFill/>
-          </p:spPr>
-          <p:txBody>
-            <a:bodyPr wrap="square" rtlCol="0">
-              <a:spAutoFit/>
-            </a:bodyPr>
-            <a:lstStyle/>
-            <a:p>
-              <a:r>
-                <a:rPr lang="en-US" dirty="0">
-                  <a:solidFill>
-                    <a:schemeClr val="tx1">
-                      <a:lumMod val="65000"/>
-                      <a:lumOff val="35000"/>
-                    </a:schemeClr>
-                  </a:solidFill>
-                  <a:latin typeface="Barlow Semi Condensed Medium" pitchFamily="2" charset="77"/>
-                </a:rPr>
-                <a:t>641</a:t>
-              </a:r>
-            </a:p>
-          </p:txBody>
-        </p:sp>
-        <p:sp>
-          <p:nvSpPr>
-            <p:cNvPr id="25" name="TextBox 24">
-              <a:extLst>
-                <a:ext uri="{FF2B5EF4-FFF2-40B4-BE49-F238E27FC236}">
-                  <a16:creationId xmlns:a16="http://schemas.microsoft.com/office/drawing/2014/main" id="{C86D32ED-5C11-F54A-BD4C-F15ACF9BFF46}"/>
-                </a:ext>
-              </a:extLst>
-            </p:cNvPr>
-            <p:cNvSpPr txBox="1"/>
-            <p:nvPr/>
-          </p:nvSpPr>
-          <p:spPr>
-            <a:xfrm>
-              <a:off x="9619505" y="2238977"/>
-              <a:ext cx="1887415" cy="369332"/>
-            </a:xfrm>
-            <a:prstGeom prst="rect">
-              <a:avLst/>
-            </a:prstGeom>
-            <a:noFill/>
-          </p:spPr>
-          <p:txBody>
-            <a:bodyPr wrap="square" rtlCol="0">
-              <a:spAutoFit/>
-            </a:bodyPr>
-            <a:lstStyle/>
-            <a:p>
-              <a:r>
-                <a:rPr lang="en-US" b="1" i="1" dirty="0">
-                  <a:latin typeface="Barlow Semi Condensed Medium" pitchFamily="2" charset="77"/>
-                </a:rPr>
-                <a:t>Elongation</a:t>
-              </a:r>
-            </a:p>
-          </p:txBody>
-        </p:sp>
-      </p:grpSp>
-      <p:grpSp>
-        <p:nvGrpSpPr>
-          <p:cNvPr id="149" name="Group 148">
-            <a:extLst>
-              <a:ext uri="{FF2B5EF4-FFF2-40B4-BE49-F238E27FC236}">
-                <a16:creationId xmlns:a16="http://schemas.microsoft.com/office/drawing/2014/main" id="{765920C8-69D0-D141-A111-5384AF087521}"/>
-              </a:ext>
-            </a:extLst>
-          </p:cNvPr>
-          <p:cNvGrpSpPr/>
-          <p:nvPr/>
-        </p:nvGrpSpPr>
-        <p:grpSpPr>
-          <a:xfrm>
-            <a:off x="8998250" y="3601218"/>
-            <a:ext cx="1887415" cy="1319571"/>
-            <a:chOff x="8955217" y="3630236"/>
-            <a:chExt cx="1887415" cy="1319571"/>
-          </a:xfrm>
-        </p:grpSpPr>
-        <p:pic>
-          <p:nvPicPr>
-            <p:cNvPr id="12" name="Picture 11">
-              <a:extLst>
-                <a:ext uri="{FF2B5EF4-FFF2-40B4-BE49-F238E27FC236}">
-                  <a16:creationId xmlns:a16="http://schemas.microsoft.com/office/drawing/2014/main" id="{36271D3E-8C3D-F940-882B-6991C6E43AF0}"/>
-                </a:ext>
-              </a:extLst>
-            </p:cNvPr>
-            <p:cNvPicPr>
-              <a:picLocks noChangeAspect="1"/>
-            </p:cNvPicPr>
-            <p:nvPr/>
-          </p:nvPicPr>
-          <p:blipFill>
-            <a:blip r:embed="rId6"/>
-            <a:stretch>
-              <a:fillRect/>
-            </a:stretch>
-          </p:blipFill>
-          <p:spPr>
-            <a:xfrm>
-              <a:off x="8977187" y="3933260"/>
-              <a:ext cx="1102360" cy="1016547"/>
-            </a:xfrm>
-            <a:prstGeom prst="rect">
-              <a:avLst/>
-            </a:prstGeom>
-          </p:spPr>
-        </p:pic>
-        <p:sp>
-          <p:nvSpPr>
-            <p:cNvPr id="19" name="TextBox 18">
-              <a:extLst>
-                <a:ext uri="{FF2B5EF4-FFF2-40B4-BE49-F238E27FC236}">
-                  <a16:creationId xmlns:a16="http://schemas.microsoft.com/office/drawing/2014/main" id="{082D2457-B550-5E4F-8EE6-79EEB920377A}"/>
-                </a:ext>
-              </a:extLst>
-            </p:cNvPr>
-            <p:cNvSpPr txBox="1"/>
-            <p:nvPr/>
-          </p:nvSpPr>
-          <p:spPr>
-            <a:xfrm>
-              <a:off x="9273394" y="4203918"/>
-              <a:ext cx="999502" cy="369332"/>
-            </a:xfrm>
-            <a:prstGeom prst="rect">
-              <a:avLst/>
-            </a:prstGeom>
-            <a:noFill/>
-          </p:spPr>
-          <p:txBody>
-            <a:bodyPr wrap="square" rtlCol="0">
-              <a:spAutoFit/>
-            </a:bodyPr>
-            <a:lstStyle/>
-            <a:p>
-              <a:r>
-                <a:rPr lang="en-US" dirty="0">
-                  <a:solidFill>
-                    <a:schemeClr val="tx1">
-                      <a:lumMod val="65000"/>
-                      <a:lumOff val="35000"/>
-                    </a:schemeClr>
-                  </a:solidFill>
-                  <a:latin typeface="Barlow Semi Condensed Medium" pitchFamily="2" charset="77"/>
-                </a:rPr>
-                <a:t>536</a:t>
-              </a:r>
-            </a:p>
-          </p:txBody>
-        </p:sp>
-        <p:sp>
-          <p:nvSpPr>
-            <p:cNvPr id="26" name="TextBox 25">
-              <a:extLst>
-                <a:ext uri="{FF2B5EF4-FFF2-40B4-BE49-F238E27FC236}">
-                  <a16:creationId xmlns:a16="http://schemas.microsoft.com/office/drawing/2014/main" id="{23681963-E6C0-234E-92E8-C4E46E1AE5A8}"/>
-                </a:ext>
-              </a:extLst>
-            </p:cNvPr>
-            <p:cNvSpPr txBox="1"/>
-            <p:nvPr/>
-          </p:nvSpPr>
-          <p:spPr>
-            <a:xfrm>
-              <a:off x="8955217" y="3630236"/>
-              <a:ext cx="1887415" cy="369332"/>
-            </a:xfrm>
-            <a:prstGeom prst="rect">
-              <a:avLst/>
-            </a:prstGeom>
-            <a:noFill/>
-          </p:spPr>
-          <p:txBody>
-            <a:bodyPr wrap="square" rtlCol="0">
-              <a:spAutoFit/>
-            </a:bodyPr>
-            <a:lstStyle/>
-            <a:p>
-              <a:r>
-                <a:rPr lang="en-US" b="1" i="1" dirty="0">
-                  <a:latin typeface="Barlow Semi Condensed Medium" pitchFamily="2" charset="77"/>
-                </a:rPr>
-                <a:t>Hardness</a:t>
-              </a:r>
-            </a:p>
-          </p:txBody>
-        </p:sp>
-      </p:grpSp>
       <p:cxnSp>
         <p:nvCxnSpPr>
           <p:cNvPr id="28" name="Straight Arrow Connector 27">
@@ -5266,7 +4750,7 @@
               <p:nvPr/>
             </p:nvPicPr>
             <p:blipFill>
-              <a:blip r:embed="rId7"/>
+              <a:blip r:embed="rId4"/>
               <a:stretch>
                 <a:fillRect/>
               </a:stretch>
@@ -5301,7 +4785,7 @@
               <p:nvPr/>
             </p:nvPicPr>
             <p:blipFill>
-              <a:blip r:embed="rId7"/>
+              <a:blip r:embed="rId4"/>
               <a:stretch>
                 <a:fillRect/>
               </a:stretch>
@@ -5336,7 +4820,7 @@
               <p:nvPr/>
             </p:nvPicPr>
             <p:blipFill>
-              <a:blip r:embed="rId7"/>
+              <a:blip r:embed="rId4"/>
               <a:stretch>
                 <a:fillRect/>
               </a:stretch>
@@ -5372,7 +4856,7 @@
             <p:nvPr/>
           </p:nvPicPr>
           <p:blipFill rotWithShape="1">
-            <a:blip r:embed="rId8"/>
+            <a:blip r:embed="rId5"/>
             <a:srcRect l="24398" t="8971" r="24572" b="8389"/>
             <a:stretch/>
           </p:blipFill>
@@ -5401,7 +4885,7 @@
         </p:nvSpPr>
         <p:spPr>
           <a:xfrm>
-            <a:off x="8243962" y="4982827"/>
+            <a:off x="8432093" y="5623906"/>
             <a:ext cx="3451361" cy="400110"/>
           </a:xfrm>
           <a:prstGeom prst="rect">
@@ -5470,137 +4954,43 @@
           </a:fontRef>
         </p:style>
       </p:cxnSp>
-      <p:grpSp>
-        <p:nvGrpSpPr>
-          <p:cNvPr id="164" name="Group 163">
-            <a:extLst>
-              <a:ext uri="{FF2B5EF4-FFF2-40B4-BE49-F238E27FC236}">
-                <a16:creationId xmlns:a16="http://schemas.microsoft.com/office/drawing/2014/main" id="{C23039A6-864E-6343-B8C4-3367DD573FDD}"/>
-              </a:ext>
-            </a:extLst>
-          </p:cNvPr>
-          <p:cNvGrpSpPr/>
+      <p:sp>
+        <p:nvSpPr>
+          <p:cNvPr id="163" name="TextBox 162">
+            <a:extLst>
+              <a:ext uri="{FF2B5EF4-FFF2-40B4-BE49-F238E27FC236}">
+                <a16:creationId xmlns:a16="http://schemas.microsoft.com/office/drawing/2014/main" id="{2495DF21-ACB5-7942-942A-FE87AA08AE98}"/>
+              </a:ext>
+            </a:extLst>
+          </p:cNvPr>
+          <p:cNvSpPr txBox="1"/>
           <p:nvPr/>
-        </p:nvGrpSpPr>
-        <p:grpSpPr>
+        </p:nvSpPr>
+        <p:spPr>
           <a:xfrm>
-            <a:off x="9935628" y="3153388"/>
-            <a:ext cx="1887415" cy="1441558"/>
-            <a:chOff x="10366446" y="3098226"/>
-            <a:chExt cx="1887415" cy="1441558"/>
+            <a:off x="10150500" y="3420831"/>
+            <a:ext cx="1887415" cy="369332"/>
           </a:xfrm>
-        </p:grpSpPr>
-        <p:pic>
-          <p:nvPicPr>
-            <p:cNvPr id="161" name="Picture 160">
-              <a:extLst>
-                <a:ext uri="{FF2B5EF4-FFF2-40B4-BE49-F238E27FC236}">
-                  <a16:creationId xmlns:a16="http://schemas.microsoft.com/office/drawing/2014/main" id="{AE48550C-3042-C24C-872E-66EA00FAEB7B}"/>
-                </a:ext>
-              </a:extLst>
-            </p:cNvPr>
-            <p:cNvPicPr>
-              <a:picLocks noChangeAspect="1"/>
-            </p:cNvPicPr>
-            <p:nvPr/>
-          </p:nvPicPr>
-          <p:blipFill>
-            <a:blip r:embed="rId9"/>
-            <a:stretch>
-              <a:fillRect/>
-            </a:stretch>
-          </p:blipFill>
-          <p:spPr>
-            <a:xfrm>
-              <a:off x="10646512" y="3445299"/>
-              <a:ext cx="1229053" cy="1094485"/>
-            </a:xfrm>
-            <a:prstGeom prst="rect">
-              <a:avLst/>
-            </a:prstGeom>
-          </p:spPr>
-        </p:pic>
-        <p:sp>
-          <p:nvSpPr>
-            <p:cNvPr id="162" name="TextBox 161">
-              <a:extLst>
-                <a:ext uri="{FF2B5EF4-FFF2-40B4-BE49-F238E27FC236}">
-                  <a16:creationId xmlns:a16="http://schemas.microsoft.com/office/drawing/2014/main" id="{56883B05-965B-F347-8D0B-92174BDB44E0}"/>
-                </a:ext>
-              </a:extLst>
-            </p:cNvPr>
-            <p:cNvSpPr txBox="1"/>
-            <p:nvPr/>
-          </p:nvSpPr>
-          <p:spPr>
-            <a:xfrm>
-              <a:off x="11039934" y="3775534"/>
-              <a:ext cx="999502" cy="369332"/>
-            </a:xfrm>
-            <a:prstGeom prst="rect">
-              <a:avLst/>
-            </a:prstGeom>
-            <a:noFill/>
-          </p:spPr>
-          <p:txBody>
-            <a:bodyPr wrap="square" rtlCol="0">
-              <a:spAutoFit/>
-            </a:bodyPr>
-            <a:lstStyle/>
-            <a:p>
-              <a:r>
-                <a:rPr lang="en-US" dirty="0">
-                  <a:solidFill>
-                    <a:schemeClr val="tx1">
-                      <a:lumMod val="65000"/>
-                      <a:lumOff val="35000"/>
-                    </a:schemeClr>
-                  </a:solidFill>
-                  <a:latin typeface="Barlow Semi Condensed Medium" pitchFamily="2" charset="77"/>
-                </a:rPr>
-                <a:t>543</a:t>
-              </a:r>
-            </a:p>
-          </p:txBody>
-        </p:sp>
-        <p:sp>
-          <p:nvSpPr>
-            <p:cNvPr id="163" name="TextBox 162">
-              <a:extLst>
-                <a:ext uri="{FF2B5EF4-FFF2-40B4-BE49-F238E27FC236}">
-                  <a16:creationId xmlns:a16="http://schemas.microsoft.com/office/drawing/2014/main" id="{2495DF21-ACB5-7942-942A-FE87AA08AE98}"/>
-                </a:ext>
-              </a:extLst>
-            </p:cNvPr>
-            <p:cNvSpPr txBox="1"/>
-            <p:nvPr/>
-          </p:nvSpPr>
-          <p:spPr>
-            <a:xfrm>
-              <a:off x="10366446" y="3098226"/>
-              <a:ext cx="1887415" cy="369332"/>
-            </a:xfrm>
-            <a:prstGeom prst="rect">
-              <a:avLst/>
-            </a:prstGeom>
-            <a:noFill/>
-          </p:spPr>
-          <p:txBody>
-            <a:bodyPr wrap="square" rtlCol="0">
-              <a:spAutoFit/>
-            </a:bodyPr>
-            <a:lstStyle/>
-            <a:p>
-              <a:r>
-                <a:rPr lang="en-US" b="1" i="1" dirty="0">
-                  <a:latin typeface="Barlow Semi Condensed Medium" pitchFamily="2" charset="77"/>
-                </a:rPr>
-                <a:t>Ultimate strength</a:t>
-              </a:r>
-            </a:p>
-          </p:txBody>
-        </p:sp>
-      </p:grpSp>
+          <a:prstGeom prst="rect">
+            <a:avLst/>
+          </a:prstGeom>
+          <a:noFill/>
+        </p:spPr>
+        <p:txBody>
+          <a:bodyPr wrap="square" rtlCol="0">
+            <a:spAutoFit/>
+          </a:bodyPr>
+          <a:lstStyle/>
+          <a:p>
+            <a:r>
+              <a:rPr lang="en-US" b="1" i="1" dirty="0">
+                <a:latin typeface="Barlow Semi Condensed Medium" pitchFamily="2" charset="77"/>
+              </a:rPr>
+              <a:t>Ultimate strength</a:t>
+            </a:r>
+          </a:p>
+        </p:txBody>
+      </p:sp>
       <p:sp>
         <p:nvSpPr>
           <p:cNvPr id="77" name="TextBox 76">
@@ -9973,6 +9363,308 @@
           </p:txBody>
         </p:sp>
       </p:grpSp>
+      <p:pic>
+        <p:nvPicPr>
+          <p:cNvPr id="4" name="Picture 3">
+            <a:extLst>
+              <a:ext uri="{FF2B5EF4-FFF2-40B4-BE49-F238E27FC236}">
+                <a16:creationId xmlns:a16="http://schemas.microsoft.com/office/drawing/2014/main" id="{85E1FCE3-D42F-2645-A170-6B6FD196A980}"/>
+              </a:ext>
+            </a:extLst>
+          </p:cNvPr>
+          <p:cNvPicPr>
+            <a:picLocks noChangeAspect="1"/>
+          </p:cNvPicPr>
+          <p:nvPr/>
+        </p:nvPicPr>
+        <p:blipFill>
+          <a:blip r:embed="rId6"/>
+          <a:stretch>
+            <a:fillRect/>
+          </a:stretch>
+        </p:blipFill>
+        <p:spPr>
+          <a:xfrm>
+            <a:off x="7997607" y="2125189"/>
+            <a:ext cx="1725266" cy="1758128"/>
+          </a:xfrm>
+          <a:prstGeom prst="rect">
+            <a:avLst/>
+          </a:prstGeom>
+        </p:spPr>
+      </p:pic>
+      <p:sp>
+        <p:nvSpPr>
+          <p:cNvPr id="140" name="Rectangle 139">
+            <a:extLst>
+              <a:ext uri="{FF2B5EF4-FFF2-40B4-BE49-F238E27FC236}">
+                <a16:creationId xmlns:a16="http://schemas.microsoft.com/office/drawing/2014/main" id="{68BB200A-14CD-FA48-A648-B156CB94CCFA}"/>
+              </a:ext>
+            </a:extLst>
+          </p:cNvPr>
+          <p:cNvSpPr/>
+          <p:nvPr/>
+        </p:nvSpPr>
+        <p:spPr>
+          <a:xfrm>
+            <a:off x="8015898" y="1716625"/>
+            <a:ext cx="1883098" cy="369332"/>
+          </a:xfrm>
+          <a:prstGeom prst="rect">
+            <a:avLst/>
+          </a:prstGeom>
+        </p:spPr>
+        <p:txBody>
+          <a:bodyPr wrap="square">
+            <a:spAutoFit/>
+          </a:bodyPr>
+          <a:lstStyle/>
+          <a:p>
+            <a:r>
+              <a:rPr lang="en-US" b="1" i="1" dirty="0">
+                <a:latin typeface="Barlow Semi Condensed Medium" pitchFamily="2" charset="77"/>
+              </a:rPr>
+              <a:t>Yield strength</a:t>
+            </a:r>
+            <a:endParaRPr lang="en-US" b="1" i="1" dirty="0"/>
+          </a:p>
+        </p:txBody>
+      </p:sp>
+      <p:pic>
+        <p:nvPicPr>
+          <p:cNvPr id="5" name="Picture 4">
+            <a:extLst>
+              <a:ext uri="{FF2B5EF4-FFF2-40B4-BE49-F238E27FC236}">
+                <a16:creationId xmlns:a16="http://schemas.microsoft.com/office/drawing/2014/main" id="{3376490B-D82A-1D46-BC14-1AC08AFF9E52}"/>
+              </a:ext>
+            </a:extLst>
+          </p:cNvPr>
+          <p:cNvPicPr>
+            <a:picLocks noChangeAspect="1"/>
+          </p:cNvPicPr>
+          <p:nvPr/>
+        </p:nvPicPr>
+        <p:blipFill>
+          <a:blip r:embed="rId7"/>
+          <a:stretch>
+            <a:fillRect/>
+          </a:stretch>
+        </p:blipFill>
+        <p:spPr>
+          <a:xfrm>
+            <a:off x="10268405" y="3736020"/>
+            <a:ext cx="1374996" cy="1400577"/>
+          </a:xfrm>
+          <a:prstGeom prst="rect">
+            <a:avLst/>
+          </a:prstGeom>
+        </p:spPr>
+      </p:pic>
+      <p:pic>
+        <p:nvPicPr>
+          <p:cNvPr id="7" name="Picture 6">
+            <a:extLst>
+              <a:ext uri="{FF2B5EF4-FFF2-40B4-BE49-F238E27FC236}">
+                <a16:creationId xmlns:a16="http://schemas.microsoft.com/office/drawing/2014/main" id="{7E9A3833-0F21-794D-A186-EAEE02D2612C}"/>
+              </a:ext>
+            </a:extLst>
+          </p:cNvPr>
+          <p:cNvPicPr>
+            <a:picLocks noChangeAspect="1"/>
+          </p:cNvPicPr>
+          <p:nvPr/>
+        </p:nvPicPr>
+        <p:blipFill>
+          <a:blip r:embed="rId8"/>
+          <a:stretch>
+            <a:fillRect/>
+          </a:stretch>
+        </p:blipFill>
+        <p:spPr>
+          <a:xfrm>
+            <a:off x="9877718" y="1865777"/>
+            <a:ext cx="1462719" cy="1469751"/>
+          </a:xfrm>
+          <a:prstGeom prst="rect">
+            <a:avLst/>
+          </a:prstGeom>
+        </p:spPr>
+      </p:pic>
+      <p:sp>
+        <p:nvSpPr>
+          <p:cNvPr id="142" name="Rectangle 141">
+            <a:extLst>
+              <a:ext uri="{FF2B5EF4-FFF2-40B4-BE49-F238E27FC236}">
+                <a16:creationId xmlns:a16="http://schemas.microsoft.com/office/drawing/2014/main" id="{BAF08FC1-56AE-2E48-A386-EB6267E872F3}"/>
+              </a:ext>
+            </a:extLst>
+          </p:cNvPr>
+          <p:cNvSpPr/>
+          <p:nvPr/>
+        </p:nvSpPr>
+        <p:spPr>
+          <a:xfrm>
+            <a:off x="9955111" y="1457708"/>
+            <a:ext cx="1883098" cy="369332"/>
+          </a:xfrm>
+          <a:prstGeom prst="rect">
+            <a:avLst/>
+          </a:prstGeom>
+        </p:spPr>
+        <p:txBody>
+          <a:bodyPr wrap="square">
+            <a:spAutoFit/>
+          </a:bodyPr>
+          <a:lstStyle/>
+          <a:p>
+            <a:r>
+              <a:rPr lang="en-US" b="1" i="1" dirty="0">
+                <a:latin typeface="Barlow Semi Condensed Medium" pitchFamily="2" charset="77"/>
+              </a:rPr>
+              <a:t>Elongation</a:t>
+            </a:r>
+            <a:endParaRPr lang="en-US" b="1" i="1" dirty="0"/>
+          </a:p>
+        </p:txBody>
+      </p:sp>
+      <p:pic>
+        <p:nvPicPr>
+          <p:cNvPr id="9" name="Picture 8">
+            <a:extLst>
+              <a:ext uri="{FF2B5EF4-FFF2-40B4-BE49-F238E27FC236}">
+                <a16:creationId xmlns:a16="http://schemas.microsoft.com/office/drawing/2014/main" id="{037D9D33-8897-054D-BE99-41D2413C8DE6}"/>
+              </a:ext>
+            </a:extLst>
+          </p:cNvPr>
+          <p:cNvPicPr>
+            <a:picLocks noChangeAspect="1"/>
+          </p:cNvPicPr>
+          <p:nvPr/>
+        </p:nvPicPr>
+        <p:blipFill>
+          <a:blip r:embed="rId9"/>
+          <a:stretch>
+            <a:fillRect/>
+          </a:stretch>
+        </p:blipFill>
+        <p:spPr>
+          <a:xfrm>
+            <a:off x="8842099" y="4284099"/>
+            <a:ext cx="1412948" cy="1336915"/>
+          </a:xfrm>
+          <a:prstGeom prst="rect">
+            <a:avLst/>
+          </a:prstGeom>
+        </p:spPr>
+      </p:pic>
+      <p:sp>
+        <p:nvSpPr>
+          <p:cNvPr id="151" name="TextBox 150">
+            <a:extLst>
+              <a:ext uri="{FF2B5EF4-FFF2-40B4-BE49-F238E27FC236}">
+                <a16:creationId xmlns:a16="http://schemas.microsoft.com/office/drawing/2014/main" id="{D882342E-A746-1944-AC45-E0805C03205C}"/>
+              </a:ext>
+            </a:extLst>
+          </p:cNvPr>
+          <p:cNvSpPr txBox="1"/>
+          <p:nvPr/>
+        </p:nvSpPr>
+        <p:spPr>
+          <a:xfrm>
+            <a:off x="9022089" y="3905248"/>
+            <a:ext cx="1128411" cy="369332"/>
+          </a:xfrm>
+          <a:prstGeom prst="rect">
+            <a:avLst/>
+          </a:prstGeom>
+          <a:noFill/>
+        </p:spPr>
+        <p:txBody>
+          <a:bodyPr wrap="square" rtlCol="0">
+            <a:spAutoFit/>
+          </a:bodyPr>
+          <a:lstStyle/>
+          <a:p>
+            <a:r>
+              <a:rPr lang="en-US" b="1" i="1" dirty="0">
+                <a:latin typeface="Barlow Semi Condensed Medium" pitchFamily="2" charset="77"/>
+              </a:rPr>
+              <a:t>Hardness</a:t>
+            </a:r>
+          </a:p>
+        </p:txBody>
+      </p:sp>
+      <p:pic>
+        <p:nvPicPr>
+          <p:cNvPr id="13" name="Picture 12">
+            <a:extLst>
+              <a:ext uri="{FF2B5EF4-FFF2-40B4-BE49-F238E27FC236}">
+                <a16:creationId xmlns:a16="http://schemas.microsoft.com/office/drawing/2014/main" id="{A8E62E94-86C0-5340-BAFD-7711A48C98F4}"/>
+              </a:ext>
+            </a:extLst>
+          </p:cNvPr>
+          <p:cNvPicPr>
+            <a:picLocks noChangeAspect="1"/>
+          </p:cNvPicPr>
+          <p:nvPr/>
+        </p:nvPicPr>
+        <p:blipFill>
+          <a:blip r:embed="rId10"/>
+          <a:stretch>
+            <a:fillRect/>
+          </a:stretch>
+        </p:blipFill>
+        <p:spPr>
+          <a:xfrm>
+            <a:off x="11339789" y="2151466"/>
+            <a:ext cx="669744" cy="720611"/>
+          </a:xfrm>
+          <a:prstGeom prst="rect">
+            <a:avLst/>
+          </a:prstGeom>
+        </p:spPr>
+      </p:pic>
+      <p:sp>
+        <p:nvSpPr>
+          <p:cNvPr id="152" name="TextBox 151">
+            <a:extLst>
+              <a:ext uri="{FF2B5EF4-FFF2-40B4-BE49-F238E27FC236}">
+                <a16:creationId xmlns:a16="http://schemas.microsoft.com/office/drawing/2014/main" id="{9022ECBA-F2CF-DD4A-A78E-32C058B08393}"/>
+              </a:ext>
+            </a:extLst>
+          </p:cNvPr>
+          <p:cNvSpPr txBox="1"/>
+          <p:nvPr/>
+        </p:nvSpPr>
+        <p:spPr>
+          <a:xfrm>
+            <a:off x="9470995" y="6093871"/>
+            <a:ext cx="2681880" cy="707886"/>
+          </a:xfrm>
+          <a:prstGeom prst="rect">
+            <a:avLst/>
+          </a:prstGeom>
+          <a:solidFill>
+            <a:schemeClr val="bg1"/>
+          </a:solidFill>
+        </p:spPr>
+        <p:txBody>
+          <a:bodyPr wrap="square" rtlCol="0">
+            <a:spAutoFit/>
+          </a:bodyPr>
+          <a:lstStyle/>
+          <a:p>
+            <a:endParaRPr lang="en-US" sz="2000" dirty="0">
+              <a:latin typeface="Barlow Semi Condensed Medium" pitchFamily="2" charset="77"/>
+            </a:endParaRPr>
+          </a:p>
+          <a:p>
+            <a:endParaRPr lang="en-US" sz="2000" dirty="0">
+              <a:latin typeface="Barlow Semi Condensed Medium" pitchFamily="2" charset="77"/>
+            </a:endParaRPr>
+          </a:p>
+        </p:txBody>
+      </p:sp>
     </p:spTree>
     <p:extLst>
       <p:ext uri="{BB962C8B-B14F-4D97-AF65-F5344CB8AC3E}">

--- a/figures/figures.pptx
+++ b/figures/figures.pptx
@@ -213,7 +213,7 @@
           <a:p>
             <a:fld id="{A84C03E3-B0BF-5C40-B9EC-4B39A4AA5E1B}" type="datetimeFigureOut">
               <a:rPr lang="en-US" smtClean="0"/>
-              <a:t>10/1/20</a:t>
+              <a:t>10/2/20</a:t>
             </a:fld>
             <a:endParaRPr lang="en-US"/>
           </a:p>
@@ -1067,7 +1067,7 @@
           <a:p>
             <a:fld id="{828A800D-FD12-1143-85AB-6998B637A4E2}" type="datetimeFigureOut">
               <a:rPr lang="en-US" smtClean="0"/>
-              <a:t>10/1/20</a:t>
+              <a:t>10/2/20</a:t>
             </a:fld>
             <a:endParaRPr lang="en-US"/>
           </a:p>
@@ -1265,7 +1265,7 @@
           <a:p>
             <a:fld id="{828A800D-FD12-1143-85AB-6998B637A4E2}" type="datetimeFigureOut">
               <a:rPr lang="en-US" smtClean="0"/>
-              <a:t>10/1/20</a:t>
+              <a:t>10/2/20</a:t>
             </a:fld>
             <a:endParaRPr lang="en-US"/>
           </a:p>
@@ -1473,7 +1473,7 @@
           <a:p>
             <a:fld id="{828A800D-FD12-1143-85AB-6998B637A4E2}" type="datetimeFigureOut">
               <a:rPr lang="en-US" smtClean="0"/>
-              <a:t>10/1/20</a:t>
+              <a:t>10/2/20</a:t>
             </a:fld>
             <a:endParaRPr lang="en-US"/>
           </a:p>
@@ -1961,7 +1961,7 @@
           <a:p>
             <a:fld id="{828A800D-FD12-1143-85AB-6998B637A4E2}" type="datetimeFigureOut">
               <a:rPr lang="en-US" smtClean="0"/>
-              <a:t>10/1/20</a:t>
+              <a:t>10/2/20</a:t>
             </a:fld>
             <a:endParaRPr lang="en-US"/>
           </a:p>
@@ -2236,7 +2236,7 @@
           <a:p>
             <a:fld id="{828A800D-FD12-1143-85AB-6998B637A4E2}" type="datetimeFigureOut">
               <a:rPr lang="en-US" smtClean="0"/>
-              <a:t>10/1/20</a:t>
+              <a:t>10/2/20</a:t>
             </a:fld>
             <a:endParaRPr lang="en-US"/>
           </a:p>
@@ -2501,7 +2501,7 @@
           <a:p>
             <a:fld id="{828A800D-FD12-1143-85AB-6998B637A4E2}" type="datetimeFigureOut">
               <a:rPr lang="en-US" smtClean="0"/>
-              <a:t>10/1/20</a:t>
+              <a:t>10/2/20</a:t>
             </a:fld>
             <a:endParaRPr lang="en-US"/>
           </a:p>
@@ -2913,7 +2913,7 @@
           <a:p>
             <a:fld id="{828A800D-FD12-1143-85AB-6998B637A4E2}" type="datetimeFigureOut">
               <a:rPr lang="en-US" smtClean="0"/>
-              <a:t>10/1/20</a:t>
+              <a:t>10/2/20</a:t>
             </a:fld>
             <a:endParaRPr lang="en-US"/>
           </a:p>
@@ -3054,7 +3054,7 @@
           <a:p>
             <a:fld id="{828A800D-FD12-1143-85AB-6998B637A4E2}" type="datetimeFigureOut">
               <a:rPr lang="en-US" smtClean="0"/>
-              <a:t>10/1/20</a:t>
+              <a:t>10/2/20</a:t>
             </a:fld>
             <a:endParaRPr lang="en-US"/>
           </a:p>
@@ -3167,7 +3167,7 @@
           <a:p>
             <a:fld id="{828A800D-FD12-1143-85AB-6998B637A4E2}" type="datetimeFigureOut">
               <a:rPr lang="en-US" smtClean="0"/>
-              <a:t>10/1/20</a:t>
+              <a:t>10/2/20</a:t>
             </a:fld>
             <a:endParaRPr lang="en-US"/>
           </a:p>
@@ -3478,7 +3478,7 @@
           <a:p>
             <a:fld id="{828A800D-FD12-1143-85AB-6998B637A4E2}" type="datetimeFigureOut">
               <a:rPr lang="en-US" smtClean="0"/>
-              <a:t>10/1/20</a:t>
+              <a:t>10/2/20</a:t>
             </a:fld>
             <a:endParaRPr lang="en-US"/>
           </a:p>
@@ -3766,7 +3766,7 @@
           <a:p>
             <a:fld id="{828A800D-FD12-1143-85AB-6998B637A4E2}" type="datetimeFigureOut">
               <a:rPr lang="en-US" smtClean="0"/>
-              <a:t>10/1/20</a:t>
+              <a:t>10/2/20</a:t>
             </a:fld>
             <a:endParaRPr lang="en-US"/>
           </a:p>
@@ -4007,7 +4007,7 @@
           <a:p>
             <a:fld id="{828A800D-FD12-1143-85AB-6998B637A4E2}" type="datetimeFigureOut">
               <a:rPr lang="en-US" smtClean="0"/>
-              <a:t>10/1/20</a:t>
+              <a:t>10/2/20</a:t>
             </a:fld>
             <a:endParaRPr lang="en-US"/>
           </a:p>
@@ -4427,6 +4427,47 @@
       </p:grpSpPr>
       <p:sp>
         <p:nvSpPr>
+          <p:cNvPr id="152" name="TextBox 151">
+            <a:extLst>
+              <a:ext uri="{FF2B5EF4-FFF2-40B4-BE49-F238E27FC236}">
+                <a16:creationId xmlns:a16="http://schemas.microsoft.com/office/drawing/2014/main" id="{9022ECBA-F2CF-DD4A-A78E-32C058B08393}"/>
+              </a:ext>
+            </a:extLst>
+          </p:cNvPr>
+          <p:cNvSpPr txBox="1"/>
+          <p:nvPr/>
+        </p:nvSpPr>
+        <p:spPr>
+          <a:xfrm>
+            <a:off x="9470995" y="6093871"/>
+            <a:ext cx="2681880" cy="707886"/>
+          </a:xfrm>
+          <a:prstGeom prst="rect">
+            <a:avLst/>
+          </a:prstGeom>
+          <a:solidFill>
+            <a:schemeClr val="bg1"/>
+          </a:solidFill>
+        </p:spPr>
+        <p:txBody>
+          <a:bodyPr wrap="square" rtlCol="0">
+            <a:spAutoFit/>
+          </a:bodyPr>
+          <a:lstStyle/>
+          <a:p>
+            <a:endParaRPr lang="en-US" sz="2000" dirty="0">
+              <a:latin typeface="Barlow Semi Condensed Medium" pitchFamily="2" charset="77"/>
+            </a:endParaRPr>
+          </a:p>
+          <a:p>
+            <a:endParaRPr lang="en-US" sz="2000" dirty="0">
+              <a:latin typeface="Barlow Semi Condensed Medium" pitchFamily="2" charset="77"/>
+            </a:endParaRPr>
+          </a:p>
+        </p:txBody>
+      </p:sp>
+      <p:sp>
+        <p:nvSpPr>
           <p:cNvPr id="3" name="Title 2">
             <a:extLst>
               <a:ext uri="{FF2B5EF4-FFF2-40B4-BE49-F238E27FC236}">
@@ -4885,7 +4926,7 @@
         </p:nvSpPr>
         <p:spPr>
           <a:xfrm>
-            <a:off x="8432093" y="5623906"/>
+            <a:off x="8581871" y="5718198"/>
             <a:ext cx="3451361" cy="400110"/>
           </a:xfrm>
           <a:prstGeom prst="rect">
@@ -4968,7 +5009,7 @@
         </p:nvSpPr>
         <p:spPr>
           <a:xfrm>
-            <a:off x="10150500" y="3420831"/>
+            <a:off x="10170547" y="3513736"/>
             <a:ext cx="1887415" cy="369332"/>
           </a:xfrm>
           <a:prstGeom prst="rect">
@@ -9363,36 +9404,6 @@
           </p:txBody>
         </p:sp>
       </p:grpSp>
-      <p:pic>
-        <p:nvPicPr>
-          <p:cNvPr id="4" name="Picture 3">
-            <a:extLst>
-              <a:ext uri="{FF2B5EF4-FFF2-40B4-BE49-F238E27FC236}">
-                <a16:creationId xmlns:a16="http://schemas.microsoft.com/office/drawing/2014/main" id="{85E1FCE3-D42F-2645-A170-6B6FD196A980}"/>
-              </a:ext>
-            </a:extLst>
-          </p:cNvPr>
-          <p:cNvPicPr>
-            <a:picLocks noChangeAspect="1"/>
-          </p:cNvPicPr>
-          <p:nvPr/>
-        </p:nvPicPr>
-        <p:blipFill>
-          <a:blip r:embed="rId6"/>
-          <a:stretch>
-            <a:fillRect/>
-          </a:stretch>
-        </p:blipFill>
-        <p:spPr>
-          <a:xfrm>
-            <a:off x="7997607" y="2125189"/>
-            <a:ext cx="1725266" cy="1758128"/>
-          </a:xfrm>
-          <a:prstGeom prst="rect">
-            <a:avLst/>
-          </a:prstGeom>
-        </p:spPr>
-      </p:pic>
       <p:sp>
         <p:nvSpPr>
           <p:cNvPr id="140" name="Rectangle 139">
@@ -9430,66 +9441,6 @@
           </a:p>
         </p:txBody>
       </p:sp>
-      <p:pic>
-        <p:nvPicPr>
-          <p:cNvPr id="5" name="Picture 4">
-            <a:extLst>
-              <a:ext uri="{FF2B5EF4-FFF2-40B4-BE49-F238E27FC236}">
-                <a16:creationId xmlns:a16="http://schemas.microsoft.com/office/drawing/2014/main" id="{3376490B-D82A-1D46-BC14-1AC08AFF9E52}"/>
-              </a:ext>
-            </a:extLst>
-          </p:cNvPr>
-          <p:cNvPicPr>
-            <a:picLocks noChangeAspect="1"/>
-          </p:cNvPicPr>
-          <p:nvPr/>
-        </p:nvPicPr>
-        <p:blipFill>
-          <a:blip r:embed="rId7"/>
-          <a:stretch>
-            <a:fillRect/>
-          </a:stretch>
-        </p:blipFill>
-        <p:spPr>
-          <a:xfrm>
-            <a:off x="10268405" y="3736020"/>
-            <a:ext cx="1374996" cy="1400577"/>
-          </a:xfrm>
-          <a:prstGeom prst="rect">
-            <a:avLst/>
-          </a:prstGeom>
-        </p:spPr>
-      </p:pic>
-      <p:pic>
-        <p:nvPicPr>
-          <p:cNvPr id="7" name="Picture 6">
-            <a:extLst>
-              <a:ext uri="{FF2B5EF4-FFF2-40B4-BE49-F238E27FC236}">
-                <a16:creationId xmlns:a16="http://schemas.microsoft.com/office/drawing/2014/main" id="{7E9A3833-0F21-794D-A186-EAEE02D2612C}"/>
-              </a:ext>
-            </a:extLst>
-          </p:cNvPr>
-          <p:cNvPicPr>
-            <a:picLocks noChangeAspect="1"/>
-          </p:cNvPicPr>
-          <p:nvPr/>
-        </p:nvPicPr>
-        <p:blipFill>
-          <a:blip r:embed="rId8"/>
-          <a:stretch>
-            <a:fillRect/>
-          </a:stretch>
-        </p:blipFill>
-        <p:spPr>
-          <a:xfrm>
-            <a:off x="9877718" y="1865777"/>
-            <a:ext cx="1462719" cy="1469751"/>
-          </a:xfrm>
-          <a:prstGeom prst="rect">
-            <a:avLst/>
-          </a:prstGeom>
-        </p:spPr>
-      </p:pic>
       <p:sp>
         <p:nvSpPr>
           <p:cNvPr id="142" name="Rectangle 141">
@@ -9504,7 +9455,7 @@
         </p:nvSpPr>
         <p:spPr>
           <a:xfrm>
-            <a:off x="9955111" y="1457708"/>
+            <a:off x="10057023" y="1471121"/>
             <a:ext cx="1883098" cy="369332"/>
           </a:xfrm>
           <a:prstGeom prst="rect">
@@ -9527,36 +9478,6 @@
           </a:p>
         </p:txBody>
       </p:sp>
-      <p:pic>
-        <p:nvPicPr>
-          <p:cNvPr id="9" name="Picture 8">
-            <a:extLst>
-              <a:ext uri="{FF2B5EF4-FFF2-40B4-BE49-F238E27FC236}">
-                <a16:creationId xmlns:a16="http://schemas.microsoft.com/office/drawing/2014/main" id="{037D9D33-8897-054D-BE99-41D2413C8DE6}"/>
-              </a:ext>
-            </a:extLst>
-          </p:cNvPr>
-          <p:cNvPicPr>
-            <a:picLocks noChangeAspect="1"/>
-          </p:cNvPicPr>
-          <p:nvPr/>
-        </p:nvPicPr>
-        <p:blipFill>
-          <a:blip r:embed="rId9"/>
-          <a:stretch>
-            <a:fillRect/>
-          </a:stretch>
-        </p:blipFill>
-        <p:spPr>
-          <a:xfrm>
-            <a:off x="8842099" y="4284099"/>
-            <a:ext cx="1412948" cy="1336915"/>
-          </a:xfrm>
-          <a:prstGeom prst="rect">
-            <a:avLst/>
-          </a:prstGeom>
-        </p:spPr>
-      </p:pic>
       <p:sp>
         <p:nvSpPr>
           <p:cNvPr id="151" name="TextBox 150">
@@ -9571,7 +9492,7 @@
         </p:nvSpPr>
         <p:spPr>
           <a:xfrm>
-            <a:off x="9022089" y="3905248"/>
+            <a:off x="8924132" y="3981418"/>
             <a:ext cx="1128411" cy="369332"/>
           </a:xfrm>
           <a:prstGeom prst="rect">
@@ -9596,10 +9517,10 @@
       </p:sp>
       <p:pic>
         <p:nvPicPr>
-          <p:cNvPr id="13" name="Picture 12">
-            <a:extLst>
-              <a:ext uri="{FF2B5EF4-FFF2-40B4-BE49-F238E27FC236}">
-                <a16:creationId xmlns:a16="http://schemas.microsoft.com/office/drawing/2014/main" id="{A8E62E94-86C0-5340-BAFD-7711A48C98F4}"/>
+          <p:cNvPr id="12" name="Picture 11">
+            <a:extLst>
+              <a:ext uri="{FF2B5EF4-FFF2-40B4-BE49-F238E27FC236}">
+                <a16:creationId xmlns:a16="http://schemas.microsoft.com/office/drawing/2014/main" id="{470D063C-1E4F-324E-A9E9-FCF3A832AAEB}"/>
               </a:ext>
             </a:extLst>
           </p:cNvPr>
@@ -9608,63 +9529,137 @@
           </p:cNvPicPr>
           <p:nvPr/>
         </p:nvPicPr>
-        <p:blipFill>
-          <a:blip r:embed="rId10"/>
-          <a:stretch>
-            <a:fillRect/>
-          </a:stretch>
+        <p:blipFill rotWithShape="1">
+          <a:blip r:embed="rId6"/>
+          <a:srcRect l="13956" t="21377" r="23014" b="16049"/>
+          <a:stretch/>
         </p:blipFill>
         <p:spPr>
           <a:xfrm>
-            <a:off x="11339789" y="2151466"/>
-            <a:ext cx="669744" cy="720611"/>
+            <a:off x="8763120" y="4391051"/>
+            <a:ext cx="1374997" cy="1365049"/>
           </a:xfrm>
           <a:prstGeom prst="rect">
             <a:avLst/>
           </a:prstGeom>
         </p:spPr>
       </p:pic>
-      <p:sp>
-        <p:nvSpPr>
-          <p:cNvPr id="152" name="TextBox 151">
-            <a:extLst>
-              <a:ext uri="{FF2B5EF4-FFF2-40B4-BE49-F238E27FC236}">
-                <a16:creationId xmlns:a16="http://schemas.microsoft.com/office/drawing/2014/main" id="{9022ECBA-F2CF-DD4A-A78E-32C058B08393}"/>
-              </a:ext>
-            </a:extLst>
-          </p:cNvPr>
-          <p:cNvSpPr txBox="1"/>
+      <p:pic>
+        <p:nvPicPr>
+          <p:cNvPr id="15" name="Picture 14">
+            <a:extLst>
+              <a:ext uri="{FF2B5EF4-FFF2-40B4-BE49-F238E27FC236}">
+                <a16:creationId xmlns:a16="http://schemas.microsoft.com/office/drawing/2014/main" id="{23A7B9F3-CC88-0447-B26D-332DFBCE1AA3}"/>
+              </a:ext>
+            </a:extLst>
+          </p:cNvPr>
+          <p:cNvPicPr>
+            <a:picLocks noChangeAspect="1"/>
+          </p:cNvPicPr>
           <p:nvPr/>
-        </p:nvSpPr>
+        </p:nvPicPr>
+        <p:blipFill rotWithShape="1">
+          <a:blip r:embed="rId7"/>
+          <a:srcRect l="13553" t="20674" r="23624" b="18710"/>
+          <a:stretch/>
+        </p:blipFill>
         <p:spPr>
           <a:xfrm>
-            <a:off x="9470995" y="6093871"/>
-            <a:ext cx="2681880" cy="707886"/>
+            <a:off x="9866747" y="1860603"/>
+            <a:ext cx="1534505" cy="1480609"/>
           </a:xfrm>
           <a:prstGeom prst="rect">
             <a:avLst/>
           </a:prstGeom>
-          <a:solidFill>
-            <a:schemeClr val="bg1"/>
-          </a:solidFill>
         </p:spPr>
-        <p:txBody>
-          <a:bodyPr wrap="square" rtlCol="0">
-            <a:spAutoFit/>
-          </a:bodyPr>
-          <a:lstStyle/>
-          <a:p>
-            <a:endParaRPr lang="en-US" sz="2000" dirty="0">
-              <a:latin typeface="Barlow Semi Condensed Medium" pitchFamily="2" charset="77"/>
-            </a:endParaRPr>
-          </a:p>
-          <a:p>
-            <a:endParaRPr lang="en-US" sz="2000" dirty="0">
-              <a:latin typeface="Barlow Semi Condensed Medium" pitchFamily="2" charset="77"/>
-            </a:endParaRPr>
-          </a:p>
-        </p:txBody>
-      </p:sp>
+      </p:pic>
+      <p:pic>
+        <p:nvPicPr>
+          <p:cNvPr id="18" name="Picture 17">
+            <a:extLst>
+              <a:ext uri="{FF2B5EF4-FFF2-40B4-BE49-F238E27FC236}">
+                <a16:creationId xmlns:a16="http://schemas.microsoft.com/office/drawing/2014/main" id="{A72EBFAB-265E-CE4E-B8E1-56827BD66340}"/>
+              </a:ext>
+            </a:extLst>
+          </p:cNvPr>
+          <p:cNvPicPr>
+            <a:picLocks noChangeAspect="1"/>
+          </p:cNvPicPr>
+          <p:nvPr/>
+        </p:nvPicPr>
+        <p:blipFill rotWithShape="1">
+          <a:blip r:embed="rId8"/>
+          <a:srcRect l="13780" t="20109" r="23586" b="16050"/>
+          <a:stretch/>
+        </p:blipFill>
+        <p:spPr>
+          <a:xfrm>
+            <a:off x="10307843" y="3869214"/>
+            <a:ext cx="1381458" cy="1408117"/>
+          </a:xfrm>
+          <a:prstGeom prst="rect">
+            <a:avLst/>
+          </a:prstGeom>
+        </p:spPr>
+      </p:pic>
+      <p:pic>
+        <p:nvPicPr>
+          <p:cNvPr id="20" name="Picture 19">
+            <a:extLst>
+              <a:ext uri="{FF2B5EF4-FFF2-40B4-BE49-F238E27FC236}">
+                <a16:creationId xmlns:a16="http://schemas.microsoft.com/office/drawing/2014/main" id="{2F76CAEB-2BC7-5D43-B600-84A52A37BDEA}"/>
+              </a:ext>
+            </a:extLst>
+          </p:cNvPr>
+          <p:cNvPicPr>
+            <a:picLocks noChangeAspect="1"/>
+          </p:cNvPicPr>
+          <p:nvPr/>
+        </p:nvPicPr>
+        <p:blipFill rotWithShape="1">
+          <a:blip r:embed="rId9"/>
+          <a:srcRect l="13405" t="20109" r="23844" b="16050"/>
+          <a:stretch/>
+        </p:blipFill>
+        <p:spPr>
+          <a:xfrm>
+            <a:off x="7843256" y="2086950"/>
+            <a:ext cx="1713767" cy="1743597"/>
+          </a:xfrm>
+          <a:prstGeom prst="rect">
+            <a:avLst/>
+          </a:prstGeom>
+        </p:spPr>
+      </p:pic>
+      <p:pic>
+        <p:nvPicPr>
+          <p:cNvPr id="138" name="Picture 137">
+            <a:extLst>
+              <a:ext uri="{FF2B5EF4-FFF2-40B4-BE49-F238E27FC236}">
+                <a16:creationId xmlns:a16="http://schemas.microsoft.com/office/drawing/2014/main" id="{E629F1C3-EFAB-A843-8339-C9295D13D5EA}"/>
+              </a:ext>
+            </a:extLst>
+          </p:cNvPr>
+          <p:cNvPicPr>
+            <a:picLocks noChangeAspect="1"/>
+          </p:cNvPicPr>
+          <p:nvPr/>
+        </p:nvPicPr>
+        <p:blipFill rotWithShape="1">
+          <a:blip r:embed="rId7"/>
+          <a:srcRect l="76032" t="20675" r="1294" b="51897"/>
+          <a:stretch/>
+        </p:blipFill>
+        <p:spPr>
+          <a:xfrm>
+            <a:off x="11388398" y="1635594"/>
+            <a:ext cx="764477" cy="924753"/>
+          </a:xfrm>
+          <a:prstGeom prst="rect">
+            <a:avLst/>
+          </a:prstGeom>
+        </p:spPr>
+      </p:pic>
     </p:spTree>
     <p:extLst>
       <p:ext uri="{BB962C8B-B14F-4D97-AF65-F5344CB8AC3E}">

--- a/figures/figures.pptx
+++ b/figures/figures.pptx
@@ -213,7 +213,7 @@
           <a:p>
             <a:fld id="{A84C03E3-B0BF-5C40-B9EC-4B39A4AA5E1B}" type="datetimeFigureOut">
               <a:rPr lang="en-US" smtClean="0"/>
-              <a:t>10/2/20</a:t>
+              <a:t>10/14/20</a:t>
             </a:fld>
             <a:endParaRPr lang="en-US"/>
           </a:p>
@@ -1067,7 +1067,7 @@
           <a:p>
             <a:fld id="{828A800D-FD12-1143-85AB-6998B637A4E2}" type="datetimeFigureOut">
               <a:rPr lang="en-US" smtClean="0"/>
-              <a:t>10/2/20</a:t>
+              <a:t>10/14/20</a:t>
             </a:fld>
             <a:endParaRPr lang="en-US"/>
           </a:p>
@@ -1265,7 +1265,7 @@
           <a:p>
             <a:fld id="{828A800D-FD12-1143-85AB-6998B637A4E2}" type="datetimeFigureOut">
               <a:rPr lang="en-US" smtClean="0"/>
-              <a:t>10/2/20</a:t>
+              <a:t>10/14/20</a:t>
             </a:fld>
             <a:endParaRPr lang="en-US"/>
           </a:p>
@@ -1473,7 +1473,7 @@
           <a:p>
             <a:fld id="{828A800D-FD12-1143-85AB-6998B637A4E2}" type="datetimeFigureOut">
               <a:rPr lang="en-US" smtClean="0"/>
-              <a:t>10/2/20</a:t>
+              <a:t>10/14/20</a:t>
             </a:fld>
             <a:endParaRPr lang="en-US"/>
           </a:p>
@@ -1961,7 +1961,7 @@
           <a:p>
             <a:fld id="{828A800D-FD12-1143-85AB-6998B637A4E2}" type="datetimeFigureOut">
               <a:rPr lang="en-US" smtClean="0"/>
-              <a:t>10/2/20</a:t>
+              <a:t>10/14/20</a:t>
             </a:fld>
             <a:endParaRPr lang="en-US"/>
           </a:p>
@@ -2236,7 +2236,7 @@
           <a:p>
             <a:fld id="{828A800D-FD12-1143-85AB-6998B637A4E2}" type="datetimeFigureOut">
               <a:rPr lang="en-US" smtClean="0"/>
-              <a:t>10/2/20</a:t>
+              <a:t>10/14/20</a:t>
             </a:fld>
             <a:endParaRPr lang="en-US"/>
           </a:p>
@@ -2501,7 +2501,7 @@
           <a:p>
             <a:fld id="{828A800D-FD12-1143-85AB-6998B637A4E2}" type="datetimeFigureOut">
               <a:rPr lang="en-US" smtClean="0"/>
-              <a:t>10/2/20</a:t>
+              <a:t>10/14/20</a:t>
             </a:fld>
             <a:endParaRPr lang="en-US"/>
           </a:p>
@@ -2913,7 +2913,7 @@
           <a:p>
             <a:fld id="{828A800D-FD12-1143-85AB-6998B637A4E2}" type="datetimeFigureOut">
               <a:rPr lang="en-US" smtClean="0"/>
-              <a:t>10/2/20</a:t>
+              <a:t>10/14/20</a:t>
             </a:fld>
             <a:endParaRPr lang="en-US"/>
           </a:p>
@@ -3054,7 +3054,7 @@
           <a:p>
             <a:fld id="{828A800D-FD12-1143-85AB-6998B637A4E2}" type="datetimeFigureOut">
               <a:rPr lang="en-US" smtClean="0"/>
-              <a:t>10/2/20</a:t>
+              <a:t>10/14/20</a:t>
             </a:fld>
             <a:endParaRPr lang="en-US"/>
           </a:p>
@@ -3167,7 +3167,7 @@
           <a:p>
             <a:fld id="{828A800D-FD12-1143-85AB-6998B637A4E2}" type="datetimeFigureOut">
               <a:rPr lang="en-US" smtClean="0"/>
-              <a:t>10/2/20</a:t>
+              <a:t>10/14/20</a:t>
             </a:fld>
             <a:endParaRPr lang="en-US"/>
           </a:p>
@@ -3478,7 +3478,7 @@
           <a:p>
             <a:fld id="{828A800D-FD12-1143-85AB-6998B637A4E2}" type="datetimeFigureOut">
               <a:rPr lang="en-US" smtClean="0"/>
-              <a:t>10/2/20</a:t>
+              <a:t>10/14/20</a:t>
             </a:fld>
             <a:endParaRPr lang="en-US"/>
           </a:p>
@@ -3766,7 +3766,7 @@
           <a:p>
             <a:fld id="{828A800D-FD12-1143-85AB-6998B637A4E2}" type="datetimeFigureOut">
               <a:rPr lang="en-US" smtClean="0"/>
-              <a:t>10/2/20</a:t>
+              <a:t>10/14/20</a:t>
             </a:fld>
             <a:endParaRPr lang="en-US"/>
           </a:p>
@@ -4007,7 +4007,7 @@
           <a:p>
             <a:fld id="{828A800D-FD12-1143-85AB-6998B637A4E2}" type="datetimeFigureOut">
               <a:rPr lang="en-US" smtClean="0"/>
-              <a:t>10/2/20</a:t>
+              <a:t>10/14/20</a:t>
             </a:fld>
             <a:endParaRPr lang="en-US"/>
           </a:p>
@@ -9546,10 +9546,10 @@
       </p:pic>
       <p:pic>
         <p:nvPicPr>
-          <p:cNvPr id="15" name="Picture 14">
-            <a:extLst>
-              <a:ext uri="{FF2B5EF4-FFF2-40B4-BE49-F238E27FC236}">
-                <a16:creationId xmlns:a16="http://schemas.microsoft.com/office/drawing/2014/main" id="{23A7B9F3-CC88-0447-B26D-332DFBCE1AA3}"/>
+          <p:cNvPr id="20" name="Picture 19">
+            <a:extLst>
+              <a:ext uri="{FF2B5EF4-FFF2-40B4-BE49-F238E27FC236}">
+                <a16:creationId xmlns:a16="http://schemas.microsoft.com/office/drawing/2014/main" id="{2F76CAEB-2BC7-5D43-B600-84A52A37BDEA}"/>
               </a:ext>
             </a:extLst>
           </p:cNvPr>
@@ -9560,64 +9560,6 @@
         </p:nvPicPr>
         <p:blipFill rotWithShape="1">
           <a:blip r:embed="rId7"/>
-          <a:srcRect l="13553" t="20674" r="23624" b="18710"/>
-          <a:stretch/>
-        </p:blipFill>
-        <p:spPr>
-          <a:xfrm>
-            <a:off x="9866747" y="1860603"/>
-            <a:ext cx="1534505" cy="1480609"/>
-          </a:xfrm>
-          <a:prstGeom prst="rect">
-            <a:avLst/>
-          </a:prstGeom>
-        </p:spPr>
-      </p:pic>
-      <p:pic>
-        <p:nvPicPr>
-          <p:cNvPr id="18" name="Picture 17">
-            <a:extLst>
-              <a:ext uri="{FF2B5EF4-FFF2-40B4-BE49-F238E27FC236}">
-                <a16:creationId xmlns:a16="http://schemas.microsoft.com/office/drawing/2014/main" id="{A72EBFAB-265E-CE4E-B8E1-56827BD66340}"/>
-              </a:ext>
-            </a:extLst>
-          </p:cNvPr>
-          <p:cNvPicPr>
-            <a:picLocks noChangeAspect="1"/>
-          </p:cNvPicPr>
-          <p:nvPr/>
-        </p:nvPicPr>
-        <p:blipFill rotWithShape="1">
-          <a:blip r:embed="rId8"/>
-          <a:srcRect l="13780" t="20109" r="23586" b="16050"/>
-          <a:stretch/>
-        </p:blipFill>
-        <p:spPr>
-          <a:xfrm>
-            <a:off x="10307843" y="3869214"/>
-            <a:ext cx="1381458" cy="1408117"/>
-          </a:xfrm>
-          <a:prstGeom prst="rect">
-            <a:avLst/>
-          </a:prstGeom>
-        </p:spPr>
-      </p:pic>
-      <p:pic>
-        <p:nvPicPr>
-          <p:cNvPr id="20" name="Picture 19">
-            <a:extLst>
-              <a:ext uri="{FF2B5EF4-FFF2-40B4-BE49-F238E27FC236}">
-                <a16:creationId xmlns:a16="http://schemas.microsoft.com/office/drawing/2014/main" id="{2F76CAEB-2BC7-5D43-B600-84A52A37BDEA}"/>
-              </a:ext>
-            </a:extLst>
-          </p:cNvPr>
-          <p:cNvPicPr>
-            <a:picLocks noChangeAspect="1"/>
-          </p:cNvPicPr>
-          <p:nvPr/>
-        </p:nvPicPr>
-        <p:blipFill rotWithShape="1">
-          <a:blip r:embed="rId9"/>
           <a:srcRect l="13405" t="20109" r="23844" b="16050"/>
           <a:stretch/>
         </p:blipFill>
@@ -9646,7 +9588,7 @@
           <p:nvPr/>
         </p:nvPicPr>
         <p:blipFill rotWithShape="1">
-          <a:blip r:embed="rId7"/>
+          <a:blip r:embed="rId8"/>
           <a:srcRect l="76032" t="20675" r="1294" b="51897"/>
           <a:stretch/>
         </p:blipFill>
@@ -9654,6 +9596,66 @@
           <a:xfrm>
             <a:off x="11388398" y="1635594"/>
             <a:ext cx="764477" cy="924753"/>
+          </a:xfrm>
+          <a:prstGeom prst="rect">
+            <a:avLst/>
+          </a:prstGeom>
+        </p:spPr>
+      </p:pic>
+      <p:pic>
+        <p:nvPicPr>
+          <p:cNvPr id="4" name="Picture 3">
+            <a:extLst>
+              <a:ext uri="{FF2B5EF4-FFF2-40B4-BE49-F238E27FC236}">
+                <a16:creationId xmlns:a16="http://schemas.microsoft.com/office/drawing/2014/main" id="{26A4AF84-50C1-2045-ADE0-16D472C77118}"/>
+              </a:ext>
+            </a:extLst>
+          </p:cNvPr>
+          <p:cNvPicPr>
+            <a:picLocks noChangeAspect="1"/>
+          </p:cNvPicPr>
+          <p:nvPr/>
+        </p:nvPicPr>
+        <p:blipFill>
+          <a:blip r:embed="rId9"/>
+          <a:stretch>
+            <a:fillRect/>
+          </a:stretch>
+        </p:blipFill>
+        <p:spPr>
+          <a:xfrm>
+            <a:off x="9836917" y="1891427"/>
+            <a:ext cx="1550275" cy="1452620"/>
+          </a:xfrm>
+          <a:prstGeom prst="rect">
+            <a:avLst/>
+          </a:prstGeom>
+        </p:spPr>
+      </p:pic>
+      <p:pic>
+        <p:nvPicPr>
+          <p:cNvPr id="5" name="Picture 4">
+            <a:extLst>
+              <a:ext uri="{FF2B5EF4-FFF2-40B4-BE49-F238E27FC236}">
+                <a16:creationId xmlns:a16="http://schemas.microsoft.com/office/drawing/2014/main" id="{657F9D8B-8896-4044-A776-E74ED2A7D6FD}"/>
+              </a:ext>
+            </a:extLst>
+          </p:cNvPr>
+          <p:cNvPicPr>
+            <a:picLocks noChangeAspect="1"/>
+          </p:cNvPicPr>
+          <p:nvPr/>
+        </p:nvPicPr>
+        <p:blipFill>
+          <a:blip r:embed="rId10"/>
+          <a:stretch>
+            <a:fillRect/>
+          </a:stretch>
+        </p:blipFill>
+        <p:spPr>
+          <a:xfrm>
+            <a:off x="10362763" y="3904157"/>
+            <a:ext cx="1374997" cy="1348984"/>
           </a:xfrm>
           <a:prstGeom prst="rect">
             <a:avLst/>

--- a/figures/figures.pptx
+++ b/figures/figures.pptx
@@ -213,7 +213,7 @@
           <a:p>
             <a:fld id="{A84C03E3-B0BF-5C40-B9EC-4B39A4AA5E1B}" type="datetimeFigureOut">
               <a:rPr lang="en-US" smtClean="0"/>
-              <a:t>10/14/20</a:t>
+              <a:t>10/28/20</a:t>
             </a:fld>
             <a:endParaRPr lang="en-US"/>
           </a:p>
@@ -1067,7 +1067,7 @@
           <a:p>
             <a:fld id="{828A800D-FD12-1143-85AB-6998B637A4E2}" type="datetimeFigureOut">
               <a:rPr lang="en-US" smtClean="0"/>
-              <a:t>10/14/20</a:t>
+              <a:t>10/28/20</a:t>
             </a:fld>
             <a:endParaRPr lang="en-US"/>
           </a:p>
@@ -1265,7 +1265,7 @@
           <a:p>
             <a:fld id="{828A800D-FD12-1143-85AB-6998B637A4E2}" type="datetimeFigureOut">
               <a:rPr lang="en-US" smtClean="0"/>
-              <a:t>10/14/20</a:t>
+              <a:t>10/28/20</a:t>
             </a:fld>
             <a:endParaRPr lang="en-US"/>
           </a:p>
@@ -1473,7 +1473,7 @@
           <a:p>
             <a:fld id="{828A800D-FD12-1143-85AB-6998B637A4E2}" type="datetimeFigureOut">
               <a:rPr lang="en-US" smtClean="0"/>
-              <a:t>10/14/20</a:t>
+              <a:t>10/28/20</a:t>
             </a:fld>
             <a:endParaRPr lang="en-US"/>
           </a:p>
@@ -1961,7 +1961,7 @@
           <a:p>
             <a:fld id="{828A800D-FD12-1143-85AB-6998B637A4E2}" type="datetimeFigureOut">
               <a:rPr lang="en-US" smtClean="0"/>
-              <a:t>10/14/20</a:t>
+              <a:t>10/28/20</a:t>
             </a:fld>
             <a:endParaRPr lang="en-US"/>
           </a:p>
@@ -2236,7 +2236,7 @@
           <a:p>
             <a:fld id="{828A800D-FD12-1143-85AB-6998B637A4E2}" type="datetimeFigureOut">
               <a:rPr lang="en-US" smtClean="0"/>
-              <a:t>10/14/20</a:t>
+              <a:t>10/28/20</a:t>
             </a:fld>
             <a:endParaRPr lang="en-US"/>
           </a:p>
@@ -2501,7 +2501,7 @@
           <a:p>
             <a:fld id="{828A800D-FD12-1143-85AB-6998B637A4E2}" type="datetimeFigureOut">
               <a:rPr lang="en-US" smtClean="0"/>
-              <a:t>10/14/20</a:t>
+              <a:t>10/28/20</a:t>
             </a:fld>
             <a:endParaRPr lang="en-US"/>
           </a:p>
@@ -2913,7 +2913,7 @@
           <a:p>
             <a:fld id="{828A800D-FD12-1143-85AB-6998B637A4E2}" type="datetimeFigureOut">
               <a:rPr lang="en-US" smtClean="0"/>
-              <a:t>10/14/20</a:t>
+              <a:t>10/28/20</a:t>
             </a:fld>
             <a:endParaRPr lang="en-US"/>
           </a:p>
@@ -3054,7 +3054,7 @@
           <a:p>
             <a:fld id="{828A800D-FD12-1143-85AB-6998B637A4E2}" type="datetimeFigureOut">
               <a:rPr lang="en-US" smtClean="0"/>
-              <a:t>10/14/20</a:t>
+              <a:t>10/28/20</a:t>
             </a:fld>
             <a:endParaRPr lang="en-US"/>
           </a:p>
@@ -3167,7 +3167,7 @@
           <a:p>
             <a:fld id="{828A800D-FD12-1143-85AB-6998B637A4E2}" type="datetimeFigureOut">
               <a:rPr lang="en-US" smtClean="0"/>
-              <a:t>10/14/20</a:t>
+              <a:t>10/28/20</a:t>
             </a:fld>
             <a:endParaRPr lang="en-US"/>
           </a:p>
@@ -3478,7 +3478,7 @@
           <a:p>
             <a:fld id="{828A800D-FD12-1143-85AB-6998B637A4E2}" type="datetimeFigureOut">
               <a:rPr lang="en-US" smtClean="0"/>
-              <a:t>10/14/20</a:t>
+              <a:t>10/28/20</a:t>
             </a:fld>
             <a:endParaRPr lang="en-US"/>
           </a:p>
@@ -3766,7 +3766,7 @@
           <a:p>
             <a:fld id="{828A800D-FD12-1143-85AB-6998B637A4E2}" type="datetimeFigureOut">
               <a:rPr lang="en-US" smtClean="0"/>
-              <a:t>10/14/20</a:t>
+              <a:t>10/28/20</a:t>
             </a:fld>
             <a:endParaRPr lang="en-US"/>
           </a:p>
@@ -4007,7 +4007,7 @@
           <a:p>
             <a:fld id="{828A800D-FD12-1143-85AB-6998B637A4E2}" type="datetimeFigureOut">
               <a:rPr lang="en-US" smtClean="0"/>
-              <a:t>10/14/20</a:t>
+              <a:t>10/28/20</a:t>
             </a:fld>
             <a:endParaRPr lang="en-US"/>
           </a:p>
@@ -9517,10 +9517,10 @@
       </p:sp>
       <p:pic>
         <p:nvPicPr>
-          <p:cNvPr id="12" name="Picture 11">
-            <a:extLst>
-              <a:ext uri="{FF2B5EF4-FFF2-40B4-BE49-F238E27FC236}">
-                <a16:creationId xmlns:a16="http://schemas.microsoft.com/office/drawing/2014/main" id="{470D063C-1E4F-324E-A9E9-FCF3A832AAEB}"/>
+          <p:cNvPr id="20" name="Picture 19">
+            <a:extLst>
+              <a:ext uri="{FF2B5EF4-FFF2-40B4-BE49-F238E27FC236}">
+                <a16:creationId xmlns:a16="http://schemas.microsoft.com/office/drawing/2014/main" id="{2F76CAEB-2BC7-5D43-B600-84A52A37BDEA}"/>
               </a:ext>
             </a:extLst>
           </p:cNvPr>
@@ -9531,35 +9531,6 @@
         </p:nvPicPr>
         <p:blipFill rotWithShape="1">
           <a:blip r:embed="rId6"/>
-          <a:srcRect l="13956" t="21377" r="23014" b="16049"/>
-          <a:stretch/>
-        </p:blipFill>
-        <p:spPr>
-          <a:xfrm>
-            <a:off x="8763120" y="4391051"/>
-            <a:ext cx="1374997" cy="1365049"/>
-          </a:xfrm>
-          <a:prstGeom prst="rect">
-            <a:avLst/>
-          </a:prstGeom>
-        </p:spPr>
-      </p:pic>
-      <p:pic>
-        <p:nvPicPr>
-          <p:cNvPr id="20" name="Picture 19">
-            <a:extLst>
-              <a:ext uri="{FF2B5EF4-FFF2-40B4-BE49-F238E27FC236}">
-                <a16:creationId xmlns:a16="http://schemas.microsoft.com/office/drawing/2014/main" id="{2F76CAEB-2BC7-5D43-B600-84A52A37BDEA}"/>
-              </a:ext>
-            </a:extLst>
-          </p:cNvPr>
-          <p:cNvPicPr>
-            <a:picLocks noChangeAspect="1"/>
-          </p:cNvPicPr>
-          <p:nvPr/>
-        </p:nvPicPr>
-        <p:blipFill rotWithShape="1">
-          <a:blip r:embed="rId7"/>
           <a:srcRect l="13405" t="20109" r="23844" b="16050"/>
           <a:stretch/>
         </p:blipFill>
@@ -9588,7 +9559,7 @@
           <p:nvPr/>
         </p:nvPicPr>
         <p:blipFill rotWithShape="1">
-          <a:blip r:embed="rId8"/>
+          <a:blip r:embed="rId7"/>
           <a:srcRect l="76032" t="20675" r="1294" b="51897"/>
           <a:stretch/>
         </p:blipFill>
@@ -9604,10 +9575,40 @@
       </p:pic>
       <p:pic>
         <p:nvPicPr>
-          <p:cNvPr id="4" name="Picture 3">
-            <a:extLst>
-              <a:ext uri="{FF2B5EF4-FFF2-40B4-BE49-F238E27FC236}">
-                <a16:creationId xmlns:a16="http://schemas.microsoft.com/office/drawing/2014/main" id="{26A4AF84-50C1-2045-ADE0-16D472C77118}"/>
+          <p:cNvPr id="5" name="Picture 4">
+            <a:extLst>
+              <a:ext uri="{FF2B5EF4-FFF2-40B4-BE49-F238E27FC236}">
+                <a16:creationId xmlns:a16="http://schemas.microsoft.com/office/drawing/2014/main" id="{657F9D8B-8896-4044-A776-E74ED2A7D6FD}"/>
+              </a:ext>
+            </a:extLst>
+          </p:cNvPr>
+          <p:cNvPicPr>
+            <a:picLocks noChangeAspect="1"/>
+          </p:cNvPicPr>
+          <p:nvPr/>
+        </p:nvPicPr>
+        <p:blipFill>
+          <a:blip r:embed="rId8"/>
+          <a:stretch>
+            <a:fillRect/>
+          </a:stretch>
+        </p:blipFill>
+        <p:spPr>
+          <a:xfrm>
+            <a:off x="10362763" y="3904157"/>
+            <a:ext cx="1374997" cy="1348984"/>
+          </a:xfrm>
+          <a:prstGeom prst="rect">
+            <a:avLst/>
+          </a:prstGeom>
+        </p:spPr>
+      </p:pic>
+      <p:pic>
+        <p:nvPicPr>
+          <p:cNvPr id="7" name="Picture 6">
+            <a:extLst>
+              <a:ext uri="{FF2B5EF4-FFF2-40B4-BE49-F238E27FC236}">
+                <a16:creationId xmlns:a16="http://schemas.microsoft.com/office/drawing/2014/main" id="{BC75240D-2E85-2C48-BF33-15246D7134C4}"/>
               </a:ext>
             </a:extLst>
           </p:cNvPr>
@@ -9624,8 +9625,8 @@
         </p:blipFill>
         <p:spPr>
           <a:xfrm>
-            <a:off x="9836917" y="1891427"/>
-            <a:ext cx="1550275" cy="1452620"/>
+            <a:off x="9879311" y="1863194"/>
+            <a:ext cx="1499846" cy="1524983"/>
           </a:xfrm>
           <a:prstGeom prst="rect">
             <a:avLst/>
@@ -9634,10 +9635,10 @@
       </p:pic>
       <p:pic>
         <p:nvPicPr>
-          <p:cNvPr id="5" name="Picture 4">
-            <a:extLst>
-              <a:ext uri="{FF2B5EF4-FFF2-40B4-BE49-F238E27FC236}">
-                <a16:creationId xmlns:a16="http://schemas.microsoft.com/office/drawing/2014/main" id="{657F9D8B-8896-4044-A776-E74ED2A7D6FD}"/>
+          <p:cNvPr id="9" name="Picture 8">
+            <a:extLst>
+              <a:ext uri="{FF2B5EF4-FFF2-40B4-BE49-F238E27FC236}">
+                <a16:creationId xmlns:a16="http://schemas.microsoft.com/office/drawing/2014/main" id="{84E51B76-02E3-CF42-9584-CE7FF505CFDC}"/>
               </a:ext>
             </a:extLst>
           </p:cNvPr>
@@ -9654,8 +9655,8 @@
         </p:blipFill>
         <p:spPr>
           <a:xfrm>
-            <a:off x="10362763" y="3904157"/>
-            <a:ext cx="1374997" cy="1348984"/>
+            <a:off x="8700139" y="4370480"/>
+            <a:ext cx="1410058" cy="1368024"/>
           </a:xfrm>
           <a:prstGeom prst="rect">
             <a:avLst/>

--- a/figures/figures.pptx
+++ b/figures/figures.pptx
@@ -213,7 +213,7 @@
           <a:p>
             <a:fld id="{A84C03E3-B0BF-5C40-B9EC-4B39A4AA5E1B}" type="datetimeFigureOut">
               <a:rPr lang="en-US" smtClean="0"/>
-              <a:t>10/28/20</a:t>
+              <a:t>11/12/20</a:t>
             </a:fld>
             <a:endParaRPr lang="en-US"/>
           </a:p>
@@ -1067,7 +1067,7 @@
           <a:p>
             <a:fld id="{828A800D-FD12-1143-85AB-6998B637A4E2}" type="datetimeFigureOut">
               <a:rPr lang="en-US" smtClean="0"/>
-              <a:t>10/28/20</a:t>
+              <a:t>11/12/20</a:t>
             </a:fld>
             <a:endParaRPr lang="en-US"/>
           </a:p>
@@ -1265,7 +1265,7 @@
           <a:p>
             <a:fld id="{828A800D-FD12-1143-85AB-6998B637A4E2}" type="datetimeFigureOut">
               <a:rPr lang="en-US" smtClean="0"/>
-              <a:t>10/28/20</a:t>
+              <a:t>11/12/20</a:t>
             </a:fld>
             <a:endParaRPr lang="en-US"/>
           </a:p>
@@ -1473,7 +1473,7 @@
           <a:p>
             <a:fld id="{828A800D-FD12-1143-85AB-6998B637A4E2}" type="datetimeFigureOut">
               <a:rPr lang="en-US" smtClean="0"/>
-              <a:t>10/28/20</a:t>
+              <a:t>11/12/20</a:t>
             </a:fld>
             <a:endParaRPr lang="en-US"/>
           </a:p>
@@ -1961,7 +1961,7 @@
           <a:p>
             <a:fld id="{828A800D-FD12-1143-85AB-6998B637A4E2}" type="datetimeFigureOut">
               <a:rPr lang="en-US" smtClean="0"/>
-              <a:t>10/28/20</a:t>
+              <a:t>11/12/20</a:t>
             </a:fld>
             <a:endParaRPr lang="en-US"/>
           </a:p>
@@ -2236,7 +2236,7 @@
           <a:p>
             <a:fld id="{828A800D-FD12-1143-85AB-6998B637A4E2}" type="datetimeFigureOut">
               <a:rPr lang="en-US" smtClean="0"/>
-              <a:t>10/28/20</a:t>
+              <a:t>11/12/20</a:t>
             </a:fld>
             <a:endParaRPr lang="en-US"/>
           </a:p>
@@ -2501,7 +2501,7 @@
           <a:p>
             <a:fld id="{828A800D-FD12-1143-85AB-6998B637A4E2}" type="datetimeFigureOut">
               <a:rPr lang="en-US" smtClean="0"/>
-              <a:t>10/28/20</a:t>
+              <a:t>11/12/20</a:t>
             </a:fld>
             <a:endParaRPr lang="en-US"/>
           </a:p>
@@ -2913,7 +2913,7 @@
           <a:p>
             <a:fld id="{828A800D-FD12-1143-85AB-6998B637A4E2}" type="datetimeFigureOut">
               <a:rPr lang="en-US" smtClean="0"/>
-              <a:t>10/28/20</a:t>
+              <a:t>11/12/20</a:t>
             </a:fld>
             <a:endParaRPr lang="en-US"/>
           </a:p>
@@ -3054,7 +3054,7 @@
           <a:p>
             <a:fld id="{828A800D-FD12-1143-85AB-6998B637A4E2}" type="datetimeFigureOut">
               <a:rPr lang="en-US" smtClean="0"/>
-              <a:t>10/28/20</a:t>
+              <a:t>11/12/20</a:t>
             </a:fld>
             <a:endParaRPr lang="en-US"/>
           </a:p>
@@ -3167,7 +3167,7 @@
           <a:p>
             <a:fld id="{828A800D-FD12-1143-85AB-6998B637A4E2}" type="datetimeFigureOut">
               <a:rPr lang="en-US" smtClean="0"/>
-              <a:t>10/28/20</a:t>
+              <a:t>11/12/20</a:t>
             </a:fld>
             <a:endParaRPr lang="en-US"/>
           </a:p>
@@ -3478,7 +3478,7 @@
           <a:p>
             <a:fld id="{828A800D-FD12-1143-85AB-6998B637A4E2}" type="datetimeFigureOut">
               <a:rPr lang="en-US" smtClean="0"/>
-              <a:t>10/28/20</a:t>
+              <a:t>11/12/20</a:t>
             </a:fld>
             <a:endParaRPr lang="en-US"/>
           </a:p>
@@ -3766,7 +3766,7 @@
           <a:p>
             <a:fld id="{828A800D-FD12-1143-85AB-6998B637A4E2}" type="datetimeFigureOut">
               <a:rPr lang="en-US" smtClean="0"/>
-              <a:t>10/28/20</a:t>
+              <a:t>11/12/20</a:t>
             </a:fld>
             <a:endParaRPr lang="en-US"/>
           </a:p>
@@ -4007,7 +4007,7 @@
           <a:p>
             <a:fld id="{828A800D-FD12-1143-85AB-6998B637A4E2}" type="datetimeFigureOut">
               <a:rPr lang="en-US" smtClean="0"/>
-              <a:t>10/28/20</a:t>
+              <a:t>11/12/20</a:t>
             </a:fld>
             <a:endParaRPr lang="en-US"/>
           </a:p>
@@ -9930,41 +9930,6 @@
           <a:chExt cx="0" cy="0"/>
         </a:xfrm>
       </p:grpSpPr>
-      <p:pic>
-        <p:nvPicPr>
-          <p:cNvPr id="9" name="Picture 8">
-            <a:extLst>
-              <a:ext uri="{FF2B5EF4-FFF2-40B4-BE49-F238E27FC236}">
-                <a16:creationId xmlns:a16="http://schemas.microsoft.com/office/drawing/2014/main" id="{43FD81BA-6C46-3C46-95B0-65CEB2D474B7}"/>
-              </a:ext>
-            </a:extLst>
-          </p:cNvPr>
-          <p:cNvPicPr>
-            <a:picLocks noChangeAspect="1"/>
-          </p:cNvPicPr>
-          <p:nvPr/>
-        </p:nvPicPr>
-        <p:blipFill>
-          <a:blip r:embed="rId3"/>
-          <a:stretch>
-            <a:fillRect/>
-          </a:stretch>
-        </p:blipFill>
-        <p:spPr>
-          <a:xfrm>
-            <a:off x="733259" y="1564978"/>
-            <a:ext cx="4888450" cy="5024240"/>
-          </a:xfrm>
-          <a:prstGeom prst="rect">
-            <a:avLst/>
-          </a:prstGeom>
-          <a:ln>
-            <a:solidFill>
-              <a:schemeClr val="tx1"/>
-            </a:solidFill>
-          </a:ln>
-        </p:spPr>
-      </p:pic>
       <p:sp>
         <p:nvSpPr>
           <p:cNvPr id="2" name="TextBox 1">
@@ -10047,15 +10012,15 @@
           <p:nvPr/>
         </p:nvPicPr>
         <p:blipFill>
-          <a:blip r:embed="rId4"/>
+          <a:blip r:embed="rId3"/>
           <a:stretch>
             <a:fillRect/>
           </a:stretch>
         </p:blipFill>
         <p:spPr>
           <a:xfrm>
-            <a:off x="6166140" y="5298365"/>
-            <a:ext cx="5104156" cy="1082295"/>
+            <a:off x="5726099" y="4989113"/>
+            <a:ext cx="5714258" cy="1211662"/>
           </a:xfrm>
           <a:prstGeom prst="rect">
             <a:avLst/>
@@ -10079,14 +10044,14 @@
           <p:cNvCxnSpPr>
             <a:cxnSpLocks/>
             <a:stCxn id="11" idx="0"/>
-            <a:endCxn id="30" idx="2"/>
+            <a:endCxn id="18" idx="2"/>
           </p:cNvCxnSpPr>
           <p:nvPr/>
         </p:nvCxnSpPr>
         <p:spPr>
           <a:xfrm flipV="1">
-            <a:off x="8718218" y="4060778"/>
-            <a:ext cx="0" cy="1237587"/>
+            <a:off x="8583228" y="4044009"/>
+            <a:ext cx="0" cy="945104"/>
           </a:xfrm>
           <a:prstGeom prst="straightConnector1">
             <a:avLst/>
@@ -10115,23 +10080,24 @@
       </p:cxnSp>
       <p:cxnSp>
         <p:nvCxnSpPr>
-          <p:cNvPr id="23" name="Straight Arrow Connector 22">
-            <a:extLst>
-              <a:ext uri="{FF2B5EF4-FFF2-40B4-BE49-F238E27FC236}">
-                <a16:creationId xmlns:a16="http://schemas.microsoft.com/office/drawing/2014/main" id="{B990B1FB-1083-7A40-B06C-61AF91165A34}"/>
+          <p:cNvPr id="33" name="Straight Arrow Connector 32">
+            <a:extLst>
+              <a:ext uri="{FF2B5EF4-FFF2-40B4-BE49-F238E27FC236}">
+                <a16:creationId xmlns:a16="http://schemas.microsoft.com/office/drawing/2014/main" id="{8E7916C1-DDE6-194A-A3E3-98A0A3405117}"/>
               </a:ext>
             </a:extLst>
           </p:cNvPr>
           <p:cNvCxnSpPr>
             <a:cxnSpLocks/>
-            <a:endCxn id="11" idx="1"/>
+            <a:stCxn id="18" idx="0"/>
+            <a:endCxn id="19" idx="2"/>
           </p:cNvCxnSpPr>
           <p:nvPr/>
         </p:nvCxnSpPr>
         <p:spPr>
-          <a:xfrm>
-            <a:off x="5148072" y="5839513"/>
-            <a:ext cx="1018068" cy="0"/>
+          <a:xfrm flipV="1">
+            <a:off x="8583228" y="2169077"/>
+            <a:ext cx="0" cy="1259923"/>
           </a:xfrm>
           <a:prstGeom prst="straightConnector1">
             <a:avLst/>
@@ -10158,181 +10124,6 @@
           </a:fontRef>
         </p:style>
       </p:cxnSp>
-      <p:pic>
-        <p:nvPicPr>
-          <p:cNvPr id="29" name="Picture 28">
-            <a:extLst>
-              <a:ext uri="{FF2B5EF4-FFF2-40B4-BE49-F238E27FC236}">
-                <a16:creationId xmlns:a16="http://schemas.microsoft.com/office/drawing/2014/main" id="{A5E8A1D4-B5C5-7548-8D00-4A4983D9E171}"/>
-              </a:ext>
-            </a:extLst>
-          </p:cNvPr>
-          <p:cNvPicPr>
-            <a:picLocks noChangeAspect="1"/>
-          </p:cNvPicPr>
-          <p:nvPr/>
-        </p:nvPicPr>
-        <p:blipFill>
-          <a:blip r:embed="rId5"/>
-          <a:stretch>
-            <a:fillRect/>
-          </a:stretch>
-        </p:blipFill>
-        <p:spPr>
-          <a:xfrm>
-            <a:off x="5744483" y="1559635"/>
-            <a:ext cx="5947470" cy="612769"/>
-          </a:xfrm>
-          <a:prstGeom prst="rect">
-            <a:avLst/>
-          </a:prstGeom>
-          <a:ln>
-            <a:solidFill>
-              <a:schemeClr val="tx1"/>
-            </a:solidFill>
-          </a:ln>
-        </p:spPr>
-      </p:pic>
-      <p:pic>
-        <p:nvPicPr>
-          <p:cNvPr id="30" name="Picture 29">
-            <a:extLst>
-              <a:ext uri="{FF2B5EF4-FFF2-40B4-BE49-F238E27FC236}">
-                <a16:creationId xmlns:a16="http://schemas.microsoft.com/office/drawing/2014/main" id="{CF781BB1-0854-B649-A028-AA3E794BD501}"/>
-              </a:ext>
-            </a:extLst>
-          </p:cNvPr>
-          <p:cNvPicPr>
-            <a:picLocks noChangeAspect="1"/>
-          </p:cNvPicPr>
-          <p:nvPr/>
-        </p:nvPicPr>
-        <p:blipFill>
-          <a:blip r:embed="rId6"/>
-          <a:stretch>
-            <a:fillRect/>
-          </a:stretch>
-        </p:blipFill>
-        <p:spPr>
-          <a:xfrm>
-            <a:off x="5744483" y="3409991"/>
-            <a:ext cx="5947470" cy="650787"/>
-          </a:xfrm>
-          <a:prstGeom prst="rect">
-            <a:avLst/>
-          </a:prstGeom>
-          <a:ln>
-            <a:solidFill>
-              <a:schemeClr val="tx1"/>
-            </a:solidFill>
-          </a:ln>
-        </p:spPr>
-      </p:pic>
-      <p:cxnSp>
-        <p:nvCxnSpPr>
-          <p:cNvPr id="33" name="Straight Arrow Connector 32">
-            <a:extLst>
-              <a:ext uri="{FF2B5EF4-FFF2-40B4-BE49-F238E27FC236}">
-                <a16:creationId xmlns:a16="http://schemas.microsoft.com/office/drawing/2014/main" id="{8E7916C1-DDE6-194A-A3E3-98A0A3405117}"/>
-              </a:ext>
-            </a:extLst>
-          </p:cNvPr>
-          <p:cNvCxnSpPr>
-            <a:cxnSpLocks/>
-            <a:stCxn id="30" idx="0"/>
-            <a:endCxn id="29" idx="2"/>
-          </p:cNvCxnSpPr>
-          <p:nvPr/>
-        </p:nvCxnSpPr>
-        <p:spPr>
-          <a:xfrm flipV="1">
-            <a:off x="8718218" y="2172404"/>
-            <a:ext cx="0" cy="1237587"/>
-          </a:xfrm>
-          <a:prstGeom prst="straightConnector1">
-            <a:avLst/>
-          </a:prstGeom>
-          <a:ln w="38100">
-            <a:solidFill>
-              <a:schemeClr val="tx1"/>
-            </a:solidFill>
-            <a:tailEnd type="triangle"/>
-          </a:ln>
-        </p:spPr>
-        <p:style>
-          <a:lnRef idx="1">
-            <a:schemeClr val="accent1"/>
-          </a:lnRef>
-          <a:fillRef idx="0">
-            <a:schemeClr val="accent1"/>
-          </a:fillRef>
-          <a:effectRef idx="0">
-            <a:schemeClr val="accent1"/>
-          </a:effectRef>
-          <a:fontRef idx="minor">
-            <a:schemeClr val="tx1"/>
-          </a:fontRef>
-        </p:style>
-      </p:cxnSp>
-      <p:sp>
-        <p:nvSpPr>
-          <p:cNvPr id="43" name="Oval 42">
-            <a:extLst>
-              <a:ext uri="{FF2B5EF4-FFF2-40B4-BE49-F238E27FC236}">
-                <a16:creationId xmlns:a16="http://schemas.microsoft.com/office/drawing/2014/main" id="{BAA0893E-6979-4A41-A5B2-AEED47D1CA1F}"/>
-              </a:ext>
-            </a:extLst>
-          </p:cNvPr>
-          <p:cNvSpPr/>
-          <p:nvPr/>
-        </p:nvSpPr>
-        <p:spPr>
-          <a:xfrm>
-            <a:off x="5406825" y="5293022"/>
-            <a:ext cx="429768" cy="422901"/>
-          </a:xfrm>
-          <a:prstGeom prst="ellipse">
-            <a:avLst/>
-          </a:prstGeom>
-          <a:solidFill>
-            <a:schemeClr val="accent2"/>
-          </a:solidFill>
-          <a:ln>
-            <a:solidFill>
-              <a:schemeClr val="accent2"/>
-            </a:solidFill>
-          </a:ln>
-        </p:spPr>
-        <p:style>
-          <a:lnRef idx="2">
-            <a:schemeClr val="accent1">
-              <a:shade val="50000"/>
-            </a:schemeClr>
-          </a:lnRef>
-          <a:fillRef idx="1">
-            <a:schemeClr val="accent1"/>
-          </a:fillRef>
-          <a:effectRef idx="0">
-            <a:schemeClr val="accent1"/>
-          </a:effectRef>
-          <a:fontRef idx="minor">
-            <a:schemeClr val="lt1"/>
-          </a:fontRef>
-        </p:style>
-        <p:txBody>
-          <a:bodyPr rtlCol="0" anchor="ctr"/>
-          <a:lstStyle/>
-          <a:p>
-            <a:pPr algn="ctr"/>
-            <a:r>
-              <a:rPr lang="en-US" dirty="0">
-                <a:latin typeface="Barlow Semi Condensed Medium" pitchFamily="2" charset="77"/>
-              </a:rPr>
-              <a:t>1</a:t>
-            </a:r>
-          </a:p>
-        </p:txBody>
-      </p:sp>
       <p:sp>
         <p:nvSpPr>
           <p:cNvPr id="44" name="Oval 43">
@@ -10527,43 +10318,6 @@
       </p:sp>
       <p:sp>
         <p:nvSpPr>
-          <p:cNvPr id="48" name="TextBox 47">
-            <a:extLst>
-              <a:ext uri="{FF2B5EF4-FFF2-40B4-BE49-F238E27FC236}">
-                <a16:creationId xmlns:a16="http://schemas.microsoft.com/office/drawing/2014/main" id="{B9B90EE0-3BC1-9149-BAEA-E8CCC323DD4F}"/>
-              </a:ext>
-            </a:extLst>
-          </p:cNvPr>
-          <p:cNvSpPr txBox="1"/>
-          <p:nvPr/>
-        </p:nvSpPr>
-        <p:spPr>
-          <a:xfrm>
-            <a:off x="5148072" y="4837782"/>
-            <a:ext cx="1552028" cy="369332"/>
-          </a:xfrm>
-          <a:prstGeom prst="rect">
-            <a:avLst/>
-          </a:prstGeom>
-          <a:noFill/>
-        </p:spPr>
-        <p:txBody>
-          <a:bodyPr wrap="none" rtlCol="0">
-            <a:spAutoFit/>
-          </a:bodyPr>
-          <a:lstStyle/>
-          <a:p>
-            <a:r>
-              <a:rPr lang="en-US" dirty="0">
-                <a:latin typeface="Barlow Semi Condensed Medium" pitchFamily="2" charset="77"/>
-              </a:rPr>
-              <a:t>Identify source</a:t>
-            </a:r>
-          </a:p>
-        </p:txBody>
-      </p:sp>
-      <p:sp>
-        <p:nvSpPr>
           <p:cNvPr id="49" name="TextBox 48">
             <a:extLst>
               <a:ext uri="{FF2B5EF4-FFF2-40B4-BE49-F238E27FC236}">
@@ -10591,6 +10345,302 @@
           <a:lstStyle/>
           <a:p>
             <a:endParaRPr lang="en-US"/>
+          </a:p>
+        </p:txBody>
+      </p:sp>
+      <p:pic>
+        <p:nvPicPr>
+          <p:cNvPr id="18" name="Picture 17">
+            <a:extLst>
+              <a:ext uri="{FF2B5EF4-FFF2-40B4-BE49-F238E27FC236}">
+                <a16:creationId xmlns:a16="http://schemas.microsoft.com/office/drawing/2014/main" id="{3A137E95-571E-4F47-88D0-C77CE9A7E688}"/>
+              </a:ext>
+            </a:extLst>
+          </p:cNvPr>
+          <p:cNvPicPr>
+            <a:picLocks noChangeAspect="1"/>
+          </p:cNvPicPr>
+          <p:nvPr/>
+        </p:nvPicPr>
+        <p:blipFill>
+          <a:blip r:embed="rId4"/>
+          <a:stretch>
+            <a:fillRect/>
+          </a:stretch>
+        </p:blipFill>
+        <p:spPr>
+          <a:xfrm>
+            <a:off x="5726099" y="3429000"/>
+            <a:ext cx="5714258" cy="615009"/>
+          </a:xfrm>
+          <a:prstGeom prst="rect">
+            <a:avLst/>
+          </a:prstGeom>
+          <a:ln>
+            <a:solidFill>
+              <a:schemeClr val="tx1"/>
+            </a:solidFill>
+          </a:ln>
+        </p:spPr>
+      </p:pic>
+      <p:pic>
+        <p:nvPicPr>
+          <p:cNvPr id="19" name="Picture 18">
+            <a:extLst>
+              <a:ext uri="{FF2B5EF4-FFF2-40B4-BE49-F238E27FC236}">
+                <a16:creationId xmlns:a16="http://schemas.microsoft.com/office/drawing/2014/main" id="{2C6E1063-BFC2-0A47-B5B1-B8E2EAD8E3E0}"/>
+              </a:ext>
+            </a:extLst>
+          </p:cNvPr>
+          <p:cNvPicPr>
+            <a:picLocks noChangeAspect="1"/>
+          </p:cNvPicPr>
+          <p:nvPr/>
+        </p:nvPicPr>
+        <p:blipFill>
+          <a:blip r:embed="rId5"/>
+          <a:stretch>
+            <a:fillRect/>
+          </a:stretch>
+        </p:blipFill>
+        <p:spPr>
+          <a:xfrm>
+            <a:off x="5707715" y="1560606"/>
+            <a:ext cx="5751026" cy="608471"/>
+          </a:xfrm>
+          <a:prstGeom prst="rect">
+            <a:avLst/>
+          </a:prstGeom>
+          <a:ln>
+            <a:solidFill>
+              <a:schemeClr val="tx1"/>
+            </a:solidFill>
+          </a:ln>
+        </p:spPr>
+      </p:pic>
+      <p:grpSp>
+        <p:nvGrpSpPr>
+          <p:cNvPr id="6" name="Group 5">
+            <a:extLst>
+              <a:ext uri="{FF2B5EF4-FFF2-40B4-BE49-F238E27FC236}">
+                <a16:creationId xmlns:a16="http://schemas.microsoft.com/office/drawing/2014/main" id="{11AF9C13-6EEA-0742-9495-41A30FA7B46B}"/>
+              </a:ext>
+            </a:extLst>
+          </p:cNvPr>
+          <p:cNvGrpSpPr/>
+          <p:nvPr/>
+        </p:nvGrpSpPr>
+        <p:grpSpPr>
+          <a:xfrm>
+            <a:off x="552889" y="1423987"/>
+            <a:ext cx="4853189" cy="5028612"/>
+            <a:chOff x="552889" y="1423987"/>
+            <a:chExt cx="4853189" cy="5028612"/>
+          </a:xfrm>
+        </p:grpSpPr>
+        <p:pic>
+          <p:nvPicPr>
+            <p:cNvPr id="4" name="Picture 3">
+              <a:extLst>
+                <a:ext uri="{FF2B5EF4-FFF2-40B4-BE49-F238E27FC236}">
+                  <a16:creationId xmlns:a16="http://schemas.microsoft.com/office/drawing/2014/main" id="{2257E460-6C06-9043-B3D1-E3A5C75B03BD}"/>
+                </a:ext>
+              </a:extLst>
+            </p:cNvPr>
+            <p:cNvPicPr>
+              <a:picLocks noChangeAspect="1"/>
+            </p:cNvPicPr>
+            <p:nvPr/>
+          </p:nvPicPr>
+          <p:blipFill rotWithShape="1">
+            <a:blip r:embed="rId6"/>
+            <a:srcRect t="6056" r="9333"/>
+            <a:stretch/>
+          </p:blipFill>
+          <p:spPr>
+            <a:xfrm>
+              <a:off x="552889" y="1423987"/>
+              <a:ext cx="4853189" cy="5028612"/>
+            </a:xfrm>
+            <a:prstGeom prst="rect">
+              <a:avLst/>
+            </a:prstGeom>
+            <a:ln>
+              <a:solidFill>
+                <a:schemeClr val="tx1"/>
+              </a:solidFill>
+            </a:ln>
+          </p:spPr>
+        </p:pic>
+        <p:pic>
+          <p:nvPicPr>
+            <p:cNvPr id="5" name="Picture 4">
+              <a:extLst>
+                <a:ext uri="{FF2B5EF4-FFF2-40B4-BE49-F238E27FC236}">
+                  <a16:creationId xmlns:a16="http://schemas.microsoft.com/office/drawing/2014/main" id="{823262E0-F152-7A41-BE44-BE32333E1D52}"/>
+                </a:ext>
+              </a:extLst>
+            </p:cNvPr>
+            <p:cNvPicPr>
+              <a:picLocks noChangeAspect="1"/>
+            </p:cNvPicPr>
+            <p:nvPr/>
+          </p:nvPicPr>
+          <p:blipFill rotWithShape="1">
+            <a:blip r:embed="rId7"/>
+            <a:srcRect l="1276"/>
+            <a:stretch/>
+          </p:blipFill>
+          <p:spPr>
+            <a:xfrm>
+              <a:off x="2836407" y="5273972"/>
+              <a:ext cx="2040994" cy="622621"/>
+            </a:xfrm>
+            <a:prstGeom prst="rect">
+              <a:avLst/>
+            </a:prstGeom>
+          </p:spPr>
+        </p:pic>
+      </p:grpSp>
+      <p:cxnSp>
+        <p:nvCxnSpPr>
+          <p:cNvPr id="23" name="Straight Arrow Connector 22">
+            <a:extLst>
+              <a:ext uri="{FF2B5EF4-FFF2-40B4-BE49-F238E27FC236}">
+                <a16:creationId xmlns:a16="http://schemas.microsoft.com/office/drawing/2014/main" id="{B990B1FB-1083-7A40-B06C-61AF91165A34}"/>
+              </a:ext>
+            </a:extLst>
+          </p:cNvPr>
+          <p:cNvCxnSpPr>
+            <a:cxnSpLocks/>
+            <a:stCxn id="5" idx="3"/>
+            <a:endCxn id="11" idx="1"/>
+          </p:cNvCxnSpPr>
+          <p:nvPr/>
+        </p:nvCxnSpPr>
+        <p:spPr>
+          <a:xfrm>
+            <a:off x="4877401" y="5585283"/>
+            <a:ext cx="848698" cy="9661"/>
+          </a:xfrm>
+          <a:prstGeom prst="straightConnector1">
+            <a:avLst/>
+          </a:prstGeom>
+          <a:ln w="38100">
+            <a:solidFill>
+              <a:schemeClr val="tx1"/>
+            </a:solidFill>
+            <a:tailEnd type="triangle"/>
+          </a:ln>
+        </p:spPr>
+        <p:style>
+          <a:lnRef idx="1">
+            <a:schemeClr val="accent1"/>
+          </a:lnRef>
+          <a:fillRef idx="0">
+            <a:schemeClr val="accent1"/>
+          </a:fillRef>
+          <a:effectRef idx="0">
+            <a:schemeClr val="accent1"/>
+          </a:effectRef>
+          <a:fontRef idx="minor">
+            <a:schemeClr val="tx1"/>
+          </a:fontRef>
+        </p:style>
+      </p:cxnSp>
+      <p:sp>
+        <p:nvSpPr>
+          <p:cNvPr id="48" name="TextBox 47">
+            <a:extLst>
+              <a:ext uri="{FF2B5EF4-FFF2-40B4-BE49-F238E27FC236}">
+                <a16:creationId xmlns:a16="http://schemas.microsoft.com/office/drawing/2014/main" id="{B9B90EE0-3BC1-9149-BAEA-E8CCC323DD4F}"/>
+              </a:ext>
+            </a:extLst>
+          </p:cNvPr>
+          <p:cNvSpPr txBox="1"/>
+          <p:nvPr/>
+        </p:nvSpPr>
+        <p:spPr>
+          <a:xfrm>
+            <a:off x="4745694" y="4388847"/>
+            <a:ext cx="1552028" cy="369332"/>
+          </a:xfrm>
+          <a:prstGeom prst="rect">
+            <a:avLst/>
+          </a:prstGeom>
+          <a:noFill/>
+        </p:spPr>
+        <p:txBody>
+          <a:bodyPr wrap="none" rtlCol="0">
+            <a:spAutoFit/>
+          </a:bodyPr>
+          <a:lstStyle/>
+          <a:p>
+            <a:r>
+              <a:rPr lang="en-US" dirty="0">
+                <a:latin typeface="Barlow Semi Condensed Medium" pitchFamily="2" charset="77"/>
+              </a:rPr>
+              <a:t>Identify source</a:t>
+            </a:r>
+          </a:p>
+        </p:txBody>
+      </p:sp>
+      <p:sp>
+        <p:nvSpPr>
+          <p:cNvPr id="43" name="Oval 42">
+            <a:extLst>
+              <a:ext uri="{FF2B5EF4-FFF2-40B4-BE49-F238E27FC236}">
+                <a16:creationId xmlns:a16="http://schemas.microsoft.com/office/drawing/2014/main" id="{BAA0893E-6979-4A41-A5B2-AEED47D1CA1F}"/>
+              </a:ext>
+            </a:extLst>
+          </p:cNvPr>
+          <p:cNvSpPr/>
+          <p:nvPr/>
+        </p:nvSpPr>
+        <p:spPr>
+          <a:xfrm>
+            <a:off x="5223685" y="4896576"/>
+            <a:ext cx="429768" cy="422901"/>
+          </a:xfrm>
+          <a:prstGeom prst="ellipse">
+            <a:avLst/>
+          </a:prstGeom>
+          <a:solidFill>
+            <a:schemeClr val="accent2"/>
+          </a:solidFill>
+          <a:ln>
+            <a:solidFill>
+              <a:schemeClr val="accent2"/>
+            </a:solidFill>
+          </a:ln>
+        </p:spPr>
+        <p:style>
+          <a:lnRef idx="2">
+            <a:schemeClr val="accent1">
+              <a:shade val="50000"/>
+            </a:schemeClr>
+          </a:lnRef>
+          <a:fillRef idx="1">
+            <a:schemeClr val="accent1"/>
+          </a:fillRef>
+          <a:effectRef idx="0">
+            <a:schemeClr val="accent1"/>
+          </a:effectRef>
+          <a:fontRef idx="minor">
+            <a:schemeClr val="lt1"/>
+          </a:fontRef>
+        </p:style>
+        <p:txBody>
+          <a:bodyPr rtlCol="0" anchor="ctr"/>
+          <a:lstStyle/>
+          <a:p>
+            <a:pPr algn="ctr"/>
+            <a:r>
+              <a:rPr lang="en-US" dirty="0">
+                <a:latin typeface="Barlow Semi Condensed Medium" pitchFamily="2" charset="77"/>
+              </a:rPr>
+              <a:t>1</a:t>
+            </a:r>
           </a:p>
         </p:txBody>
       </p:sp>

--- a/figures/figures.pptx
+++ b/figures/figures.pptx
@@ -9517,10 +9517,10 @@
       </p:sp>
       <p:pic>
         <p:nvPicPr>
-          <p:cNvPr id="20" name="Picture 19">
-            <a:extLst>
-              <a:ext uri="{FF2B5EF4-FFF2-40B4-BE49-F238E27FC236}">
-                <a16:creationId xmlns:a16="http://schemas.microsoft.com/office/drawing/2014/main" id="{2F76CAEB-2BC7-5D43-B600-84A52A37BDEA}"/>
+          <p:cNvPr id="138" name="Picture 137">
+            <a:extLst>
+              <a:ext uri="{FF2B5EF4-FFF2-40B4-BE49-F238E27FC236}">
+                <a16:creationId xmlns:a16="http://schemas.microsoft.com/office/drawing/2014/main" id="{E629F1C3-EFAB-A843-8339-C9295D13D5EA}"/>
               </a:ext>
             </a:extLst>
           </p:cNvPr>
@@ -9531,35 +9531,6 @@
         </p:nvPicPr>
         <p:blipFill rotWithShape="1">
           <a:blip r:embed="rId6"/>
-          <a:srcRect l="13405" t="20109" r="23844" b="16050"/>
-          <a:stretch/>
-        </p:blipFill>
-        <p:spPr>
-          <a:xfrm>
-            <a:off x="7843256" y="2086950"/>
-            <a:ext cx="1713767" cy="1743597"/>
-          </a:xfrm>
-          <a:prstGeom prst="rect">
-            <a:avLst/>
-          </a:prstGeom>
-        </p:spPr>
-      </p:pic>
-      <p:pic>
-        <p:nvPicPr>
-          <p:cNvPr id="138" name="Picture 137">
-            <a:extLst>
-              <a:ext uri="{FF2B5EF4-FFF2-40B4-BE49-F238E27FC236}">
-                <a16:creationId xmlns:a16="http://schemas.microsoft.com/office/drawing/2014/main" id="{E629F1C3-EFAB-A843-8339-C9295D13D5EA}"/>
-              </a:ext>
-            </a:extLst>
-          </p:cNvPr>
-          <p:cNvPicPr>
-            <a:picLocks noChangeAspect="1"/>
-          </p:cNvPicPr>
-          <p:nvPr/>
-        </p:nvPicPr>
-        <p:blipFill rotWithShape="1">
-          <a:blip r:embed="rId7"/>
           <a:srcRect l="76032" t="20675" r="1294" b="51897"/>
           <a:stretch/>
         </p:blipFill>
@@ -9588,15 +9559,15 @@
           <p:nvPr/>
         </p:nvPicPr>
         <p:blipFill>
-          <a:blip r:embed="rId8"/>
+          <a:blip r:embed="rId7"/>
           <a:stretch>
             <a:fillRect/>
           </a:stretch>
         </p:blipFill>
         <p:spPr>
           <a:xfrm>
-            <a:off x="10362763" y="3904157"/>
-            <a:ext cx="1374997" cy="1348984"/>
+            <a:off x="10337185" y="3861211"/>
+            <a:ext cx="1444349" cy="1417024"/>
           </a:xfrm>
           <a:prstGeom prst="rect">
             <a:avLst/>
@@ -9618,7 +9589,7 @@
           <p:nvPr/>
         </p:nvPicPr>
         <p:blipFill>
-          <a:blip r:embed="rId9"/>
+          <a:blip r:embed="rId8"/>
           <a:stretch>
             <a:fillRect/>
           </a:stretch>
@@ -9635,10 +9606,40 @@
       </p:pic>
       <p:pic>
         <p:nvPicPr>
-          <p:cNvPr id="9" name="Picture 8">
-            <a:extLst>
-              <a:ext uri="{FF2B5EF4-FFF2-40B4-BE49-F238E27FC236}">
-                <a16:creationId xmlns:a16="http://schemas.microsoft.com/office/drawing/2014/main" id="{84E51B76-02E3-CF42-9584-CE7FF505CFDC}"/>
+          <p:cNvPr id="4" name="Picture 3">
+            <a:extLst>
+              <a:ext uri="{FF2B5EF4-FFF2-40B4-BE49-F238E27FC236}">
+                <a16:creationId xmlns:a16="http://schemas.microsoft.com/office/drawing/2014/main" id="{D4235C9F-6673-D14C-9198-BB2F3DC853DD}"/>
+              </a:ext>
+            </a:extLst>
+          </p:cNvPr>
+          <p:cNvPicPr>
+            <a:picLocks noChangeAspect="1"/>
+          </p:cNvPicPr>
+          <p:nvPr/>
+        </p:nvPicPr>
+        <p:blipFill>
+          <a:blip r:embed="rId9"/>
+          <a:stretch>
+            <a:fillRect/>
+          </a:stretch>
+        </p:blipFill>
+        <p:spPr>
+          <a:xfrm>
+            <a:off x="7794459" y="2131313"/>
+            <a:ext cx="1764400" cy="1696827"/>
+          </a:xfrm>
+          <a:prstGeom prst="rect">
+            <a:avLst/>
+          </a:prstGeom>
+        </p:spPr>
+      </p:pic>
+      <p:pic>
+        <p:nvPicPr>
+          <p:cNvPr id="10" name="Picture 9">
+            <a:extLst>
+              <a:ext uri="{FF2B5EF4-FFF2-40B4-BE49-F238E27FC236}">
+                <a16:creationId xmlns:a16="http://schemas.microsoft.com/office/drawing/2014/main" id="{5D7F959F-B425-CF46-B77F-CBFA3F9F5452}"/>
               </a:ext>
             </a:extLst>
           </p:cNvPr>
@@ -9655,8 +9656,8 @@
         </p:blipFill>
         <p:spPr>
           <a:xfrm>
-            <a:off x="8700139" y="4370480"/>
-            <a:ext cx="1410058" cy="1368024"/>
+            <a:off x="8711005" y="4370383"/>
+            <a:ext cx="1376362" cy="1347815"/>
           </a:xfrm>
           <a:prstGeom prst="rect">
             <a:avLst/>
@@ -10138,7 +10139,7 @@
         </p:nvSpPr>
         <p:spPr>
           <a:xfrm>
-            <a:off x="8814489" y="4527244"/>
+            <a:off x="8814489" y="4405395"/>
             <a:ext cx="429768" cy="422901"/>
           </a:xfrm>
           <a:prstGeom prst="ellipse">
@@ -10293,7 +10294,7 @@
         </p:nvSpPr>
         <p:spPr>
           <a:xfrm>
-            <a:off x="9254529" y="4527244"/>
+            <a:off x="9254529" y="4405395"/>
             <a:ext cx="2374368" cy="369332"/>
           </a:xfrm>
           <a:prstGeom prst="rect">
@@ -10420,10 +10421,10 @@
       </p:pic>
       <p:grpSp>
         <p:nvGrpSpPr>
-          <p:cNvPr id="6" name="Group 5">
-            <a:extLst>
-              <a:ext uri="{FF2B5EF4-FFF2-40B4-BE49-F238E27FC236}">
-                <a16:creationId xmlns:a16="http://schemas.microsoft.com/office/drawing/2014/main" id="{11AF9C13-6EEA-0742-9495-41A30FA7B46B}"/>
+          <p:cNvPr id="9" name="Group 8">
+            <a:extLst>
+              <a:ext uri="{FF2B5EF4-FFF2-40B4-BE49-F238E27FC236}">
+                <a16:creationId xmlns:a16="http://schemas.microsoft.com/office/drawing/2014/main" id="{0C4FC605-EE20-1D45-8888-AE119DA04044}"/>
               </a:ext>
             </a:extLst>
           </p:cNvPr>
@@ -10432,18 +10433,18 @@
         </p:nvGrpSpPr>
         <p:grpSpPr>
           <a:xfrm>
-            <a:off x="552889" y="1423987"/>
-            <a:ext cx="4853189" cy="5028612"/>
-            <a:chOff x="552889" y="1423987"/>
-            <a:chExt cx="4853189" cy="5028612"/>
+            <a:off x="563103" y="1550879"/>
+            <a:ext cx="4691805" cy="4889849"/>
+            <a:chOff x="563103" y="1550879"/>
+            <a:chExt cx="4691805" cy="4889849"/>
           </a:xfrm>
         </p:grpSpPr>
         <p:pic>
           <p:nvPicPr>
-            <p:cNvPr id="4" name="Picture 3">
+            <p:cNvPr id="7" name="Picture 6">
               <a:extLst>
                 <a:ext uri="{FF2B5EF4-FFF2-40B4-BE49-F238E27FC236}">
-                  <a16:creationId xmlns:a16="http://schemas.microsoft.com/office/drawing/2014/main" id="{2257E460-6C06-9043-B3D1-E3A5C75B03BD}"/>
+                  <a16:creationId xmlns:a16="http://schemas.microsoft.com/office/drawing/2014/main" id="{CFD3EBEB-FFBF-A84B-BA69-A940A9A3F4A1}"/>
                 </a:ext>
               </a:extLst>
             </p:cNvPr>
@@ -10454,13 +10455,13 @@
           </p:nvPicPr>
           <p:blipFill rotWithShape="1">
             <a:blip r:embed="rId6"/>
-            <a:srcRect t="6056" r="9333"/>
+            <a:srcRect t="6577" r="10361"/>
             <a:stretch/>
           </p:blipFill>
           <p:spPr>
             <a:xfrm>
-              <a:off x="552889" y="1423987"/>
-              <a:ext cx="4853189" cy="5028612"/>
+              <a:off x="563103" y="1550879"/>
+              <a:ext cx="4691805" cy="4889849"/>
             </a:xfrm>
             <a:prstGeom prst="rect">
               <a:avLst/>
@@ -10562,7 +10563,7 @@
         </p:nvSpPr>
         <p:spPr>
           <a:xfrm>
-            <a:off x="4745694" y="4388847"/>
+            <a:off x="4714490" y="4480976"/>
             <a:ext cx="1552028" cy="369332"/>
           </a:xfrm>
           <a:prstGeom prst="rect">
